--- a/2022/2022-08-19QSRH/20220819-Quantinuum-tket.pptx
+++ b/2022/2022-08-19QSRH/20220819-Quantinuum-tket.pptx
@@ -5,12 +5,14 @@
     <p:sldMasterId id="2147483826" r:id="rId4"/>
   </p:sldMasterIdLst>
   <p:notesMasterIdLst>
-    <p:notesMasterId r:id="rId8"/>
+    <p:notesMasterId r:id="rId10"/>
   </p:notesMasterIdLst>
   <p:sldIdLst>
-    <p:sldId id="522" r:id="rId5"/>
-    <p:sldId id="516" r:id="rId6"/>
-    <p:sldId id="523" r:id="rId7"/>
+    <p:sldId id="518" r:id="rId5"/>
+    <p:sldId id="519" r:id="rId6"/>
+    <p:sldId id="517" r:id="rId7"/>
+    <p:sldId id="516" r:id="rId8"/>
+    <p:sldId id="523" r:id="rId9"/>
   </p:sldIdLst>
   <p:sldSz cx="12192000" cy="6858000"/>
   <p:notesSz cx="7104063" cy="10234613"/>
@@ -213,7 +215,7 @@
           <a:p>
             <a:fld id="{F23EBEA5-F484-40E8-94B9-B0E1ECD8B465}" type="datetimeFigureOut">
               <a:rPr kumimoji="1" lang="ja-JP" altLang="en-US" smtClean="0"/>
-              <a:t>2022/8/9</a:t>
+              <a:t>2022/8/10</a:t>
             </a:fld>
             <a:endParaRPr kumimoji="1" lang="ja-JP" altLang="en-US"/>
           </a:p>
@@ -586,7 +588,7 @@
     </p:spTree>
     <p:extLst>
       <p:ext uri="{BB962C8B-B14F-4D97-AF65-F5344CB8AC3E}">
-        <p14:creationId xmlns:p14="http://schemas.microsoft.com/office/powerpoint/2010/main" val="1465431155"/>
+        <p14:creationId xmlns:p14="http://schemas.microsoft.com/office/powerpoint/2010/main" val="495730037"/>
       </p:ext>
     </p:extLst>
   </p:cSld>
@@ -670,7 +672,7 @@
     </p:spTree>
     <p:extLst>
       <p:ext uri="{BB962C8B-B14F-4D97-AF65-F5344CB8AC3E}">
-        <p14:creationId xmlns:p14="http://schemas.microsoft.com/office/powerpoint/2010/main" val="3173124595"/>
+        <p14:creationId xmlns:p14="http://schemas.microsoft.com/office/powerpoint/2010/main" val="1447695220"/>
       </p:ext>
     </p:extLst>
   </p:cSld>
@@ -746,6 +748,174 @@
             <a:fld id="{C72B6A13-A14E-4BFC-8089-4055E010FEDF}" type="slidenum">
               <a:rPr kumimoji="1" lang="ja-JP" altLang="en-US" smtClean="0"/>
               <a:t>3</a:t>
+            </a:fld>
+            <a:endParaRPr kumimoji="1" lang="ja-JP" altLang="en-US"/>
+          </a:p>
+        </p:txBody>
+      </p:sp>
+    </p:spTree>
+    <p:extLst>
+      <p:ext uri="{BB962C8B-B14F-4D97-AF65-F5344CB8AC3E}">
+        <p14:creationId xmlns:p14="http://schemas.microsoft.com/office/powerpoint/2010/main" val="63168894"/>
+      </p:ext>
+    </p:extLst>
+  </p:cSld>
+  <p:clrMapOvr>
+    <a:masterClrMapping/>
+  </p:clrMapOvr>
+</p:notes>
+</file>
+
+<file path=ppt/notesSlides/notesSlide4.xml><?xml version="1.0" encoding="utf-8"?>
+<p:notes xmlns:a="http://schemas.openxmlformats.org/drawingml/2006/main" xmlns:r="http://schemas.openxmlformats.org/officeDocument/2006/relationships" xmlns:p="http://schemas.openxmlformats.org/presentationml/2006/main">
+  <p:cSld>
+    <p:spTree>
+      <p:nvGrpSpPr>
+        <p:cNvPr id="1" name=""/>
+        <p:cNvGrpSpPr/>
+        <p:nvPr/>
+      </p:nvGrpSpPr>
+      <p:grpSpPr>
+        <a:xfrm>
+          <a:off x="0" y="0"/>
+          <a:ext cx="0" cy="0"/>
+          <a:chOff x="0" y="0"/>
+          <a:chExt cx="0" cy="0"/>
+        </a:xfrm>
+      </p:grpSpPr>
+      <p:sp>
+        <p:nvSpPr>
+          <p:cNvPr id="2" name="スライド イメージ プレースホルダー 1"/>
+          <p:cNvSpPr>
+            <a:spLocks noGrp="1" noRot="1" noChangeAspect="1"/>
+          </p:cNvSpPr>
+          <p:nvPr>
+            <p:ph type="sldImg"/>
+          </p:nvPr>
+        </p:nvSpPr>
+        <p:spPr/>
+      </p:sp>
+      <p:sp>
+        <p:nvSpPr>
+          <p:cNvPr id="3" name="ノート プレースホルダー 2"/>
+          <p:cNvSpPr>
+            <a:spLocks noGrp="1"/>
+          </p:cNvSpPr>
+          <p:nvPr>
+            <p:ph type="body" idx="1"/>
+          </p:nvPr>
+        </p:nvSpPr>
+        <p:spPr/>
+        <p:txBody>
+          <a:bodyPr/>
+          <a:lstStyle/>
+          <a:p>
+            <a:endParaRPr kumimoji="1" lang="ja-JP" altLang="en-US" dirty="0"/>
+          </a:p>
+        </p:txBody>
+      </p:sp>
+      <p:sp>
+        <p:nvSpPr>
+          <p:cNvPr id="4" name="スライド番号プレースホルダー 3"/>
+          <p:cNvSpPr>
+            <a:spLocks noGrp="1"/>
+          </p:cNvSpPr>
+          <p:nvPr>
+            <p:ph type="sldNum" sz="quarter" idx="5"/>
+          </p:nvPr>
+        </p:nvSpPr>
+        <p:spPr/>
+        <p:txBody>
+          <a:bodyPr/>
+          <a:lstStyle/>
+          <a:p>
+            <a:fld id="{C72B6A13-A14E-4BFC-8089-4055E010FEDF}" type="slidenum">
+              <a:rPr kumimoji="1" lang="ja-JP" altLang="en-US" smtClean="0"/>
+              <a:t>4</a:t>
+            </a:fld>
+            <a:endParaRPr kumimoji="1" lang="ja-JP" altLang="en-US"/>
+          </a:p>
+        </p:txBody>
+      </p:sp>
+    </p:spTree>
+    <p:extLst>
+      <p:ext uri="{BB962C8B-B14F-4D97-AF65-F5344CB8AC3E}">
+        <p14:creationId xmlns:p14="http://schemas.microsoft.com/office/powerpoint/2010/main" val="3173124595"/>
+      </p:ext>
+    </p:extLst>
+  </p:cSld>
+  <p:clrMapOvr>
+    <a:masterClrMapping/>
+  </p:clrMapOvr>
+</p:notes>
+</file>
+
+<file path=ppt/notesSlides/notesSlide5.xml><?xml version="1.0" encoding="utf-8"?>
+<p:notes xmlns:a="http://schemas.openxmlformats.org/drawingml/2006/main" xmlns:r="http://schemas.openxmlformats.org/officeDocument/2006/relationships" xmlns:p="http://schemas.openxmlformats.org/presentationml/2006/main">
+  <p:cSld>
+    <p:spTree>
+      <p:nvGrpSpPr>
+        <p:cNvPr id="1" name=""/>
+        <p:cNvGrpSpPr/>
+        <p:nvPr/>
+      </p:nvGrpSpPr>
+      <p:grpSpPr>
+        <a:xfrm>
+          <a:off x="0" y="0"/>
+          <a:ext cx="0" cy="0"/>
+          <a:chOff x="0" y="0"/>
+          <a:chExt cx="0" cy="0"/>
+        </a:xfrm>
+      </p:grpSpPr>
+      <p:sp>
+        <p:nvSpPr>
+          <p:cNvPr id="2" name="スライド イメージ プレースホルダー 1"/>
+          <p:cNvSpPr>
+            <a:spLocks noGrp="1" noRot="1" noChangeAspect="1"/>
+          </p:cNvSpPr>
+          <p:nvPr>
+            <p:ph type="sldImg"/>
+          </p:nvPr>
+        </p:nvSpPr>
+        <p:spPr/>
+      </p:sp>
+      <p:sp>
+        <p:nvSpPr>
+          <p:cNvPr id="3" name="ノート プレースホルダー 2"/>
+          <p:cNvSpPr>
+            <a:spLocks noGrp="1"/>
+          </p:cNvSpPr>
+          <p:nvPr>
+            <p:ph type="body" idx="1"/>
+          </p:nvPr>
+        </p:nvSpPr>
+        <p:spPr/>
+        <p:txBody>
+          <a:bodyPr/>
+          <a:lstStyle/>
+          <a:p>
+            <a:endParaRPr kumimoji="1" lang="ja-JP" altLang="en-US" dirty="0"/>
+          </a:p>
+        </p:txBody>
+      </p:sp>
+      <p:sp>
+        <p:nvSpPr>
+          <p:cNvPr id="4" name="スライド番号プレースホルダー 3"/>
+          <p:cNvSpPr>
+            <a:spLocks noGrp="1"/>
+          </p:cNvSpPr>
+          <p:nvPr>
+            <p:ph type="sldNum" sz="quarter" idx="5"/>
+          </p:nvPr>
+        </p:nvSpPr>
+        <p:spPr/>
+        <p:txBody>
+          <a:bodyPr/>
+          <a:lstStyle/>
+          <a:p>
+            <a:fld id="{C72B6A13-A14E-4BFC-8089-4055E010FEDF}" type="slidenum">
+              <a:rPr kumimoji="1" lang="ja-JP" altLang="en-US" smtClean="0"/>
+              <a:t>5</a:t>
             </a:fld>
             <a:endParaRPr kumimoji="1" lang="ja-JP" altLang="en-US"/>
           </a:p>
@@ -998,7 +1168,7 @@
           <a:p>
             <a:fld id="{178DF2E3-C170-4BC9-AD04-6FEAEAA10C4B}" type="datetime1">
               <a:rPr kumimoji="1" lang="ja-JP" altLang="en-US" smtClean="0"/>
-              <a:t>2022/8/9</a:t>
+              <a:t>2022/8/10</a:t>
             </a:fld>
             <a:endParaRPr kumimoji="1" lang="ja-JP" altLang="en-US"/>
           </a:p>
@@ -1368,7 +1538,7 @@
           <a:p>
             <a:fld id="{65409112-93D2-4228-98E3-3F1B3C47B5B8}" type="datetime1">
               <a:rPr kumimoji="1" lang="ja-JP" altLang="en-US" smtClean="0"/>
-              <a:t>2022/8/9</a:t>
+              <a:t>2022/8/10</a:t>
             </a:fld>
             <a:endParaRPr kumimoji="1" lang="ja-JP" altLang="en-US"/>
           </a:p>
@@ -1580,7 +1750,7 @@
           <a:p>
             <a:fld id="{547F67B0-C074-4C83-BA4A-A086AF39C1AC}" type="datetime1">
               <a:rPr kumimoji="1" lang="ja-JP" altLang="en-US" smtClean="0"/>
-              <a:t>2022/8/9</a:t>
+              <a:t>2022/8/10</a:t>
             </a:fld>
             <a:endParaRPr kumimoji="1" lang="ja-JP" altLang="en-US"/>
           </a:p>
@@ -1832,7 +2002,7 @@
           <a:p>
             <a:fld id="{33C06BF1-2FB2-4114-9122-2572DF44C38E}" type="datetime1">
               <a:rPr kumimoji="1" lang="ja-JP" altLang="en-US" smtClean="0"/>
-              <a:t>2022/8/9</a:t>
+              <a:t>2022/8/10</a:t>
             </a:fld>
             <a:endParaRPr kumimoji="1" lang="ja-JP" altLang="en-US"/>
           </a:p>
@@ -2164,7 +2334,7 @@
           <a:p>
             <a:fld id="{65102099-BE6E-4C20-9697-8668893A38DA}" type="datetime1">
               <a:rPr kumimoji="1" lang="ja-JP" altLang="en-US" smtClean="0"/>
-              <a:t>2022/8/9</a:t>
+              <a:t>2022/8/10</a:t>
             </a:fld>
             <a:endParaRPr kumimoji="1" lang="ja-JP" altLang="en-US"/>
           </a:p>
@@ -2545,7 +2715,7 @@
           <a:p>
             <a:fld id="{0DE90903-3D7A-4AAF-A87C-1CB437FD4040}" type="datetime1">
               <a:rPr kumimoji="1" lang="ja-JP" altLang="en-US" smtClean="0"/>
-              <a:t>2022/8/9</a:t>
+              <a:t>2022/8/10</a:t>
             </a:fld>
             <a:endParaRPr kumimoji="1" lang="ja-JP" altLang="en-US"/>
           </a:p>
@@ -2976,7 +3146,7 @@
           <a:p>
             <a:fld id="{D4119BAF-6261-40D5-AF07-7DF930544EBE}" type="datetime1">
               <a:rPr kumimoji="1" lang="ja-JP" altLang="en-US" smtClean="0"/>
-              <a:t>2022/8/9</a:t>
+              <a:t>2022/8/10</a:t>
             </a:fld>
             <a:endParaRPr kumimoji="1" lang="ja-JP" altLang="en-US"/>
           </a:p>
@@ -3094,7 +3264,7 @@
           <a:p>
             <a:fld id="{52C8B23D-44E6-4F9C-A932-D2C102AE9840}" type="datetime1">
               <a:rPr kumimoji="1" lang="ja-JP" altLang="en-US" smtClean="0"/>
-              <a:t>2022/8/9</a:t>
+              <a:t>2022/8/10</a:t>
             </a:fld>
             <a:endParaRPr kumimoji="1" lang="ja-JP" altLang="en-US"/>
           </a:p>
@@ -3189,7 +3359,7 @@
           <a:p>
             <a:fld id="{E25A53BD-495F-483C-8CC5-A729B332D2CF}" type="datetime1">
               <a:rPr kumimoji="1" lang="ja-JP" altLang="en-US" smtClean="0"/>
-              <a:t>2022/8/9</a:t>
+              <a:t>2022/8/10</a:t>
             </a:fld>
             <a:endParaRPr kumimoji="1" lang="ja-JP" altLang="en-US"/>
           </a:p>
@@ -3498,7 +3668,7 @@
           <a:p>
             <a:fld id="{6ADCCF2D-E3E3-49E6-8F8D-F93C7D7B1F2A}" type="datetime1">
               <a:rPr kumimoji="1" lang="ja-JP" altLang="en-US" smtClean="0"/>
-              <a:t>2022/8/9</a:t>
+              <a:t>2022/8/10</a:t>
             </a:fld>
             <a:endParaRPr kumimoji="1" lang="ja-JP" altLang="en-US"/>
           </a:p>
@@ -3755,7 +3925,7 @@
           <a:p>
             <a:fld id="{BE719183-BACC-4742-BD78-B27D7DFADA40}" type="datetime1">
               <a:rPr kumimoji="1" lang="ja-JP" altLang="en-US" smtClean="0"/>
-              <a:t>2022/8/9</a:t>
+              <a:t>2022/8/10</a:t>
             </a:fld>
             <a:endParaRPr kumimoji="1" lang="ja-JP" altLang="en-US"/>
           </a:p>
@@ -4000,7 +4170,7 @@
           <a:p>
             <a:fld id="{A562114D-C416-4CA4-9BEF-124563DBD522}" type="datetime1">
               <a:rPr kumimoji="1" lang="ja-JP" altLang="en-US" smtClean="0"/>
-              <a:t>2022/8/9</a:t>
+              <a:t>2022/8/10</a:t>
             </a:fld>
             <a:endParaRPr kumimoji="1" lang="ja-JP" altLang="en-US"/>
           </a:p>
@@ -4646,7 +4816,7 @@
           <p:cNvPr id="7" name="図 6">
             <a:extLst>
               <a:ext uri="{FF2B5EF4-FFF2-40B4-BE49-F238E27FC236}">
-                <a16:creationId xmlns:a16="http://schemas.microsoft.com/office/drawing/2014/main" id="{C484CBE2-4CD0-89FD-E83D-0CB59A8EB800}"/>
+                <a16:creationId xmlns:a16="http://schemas.microsoft.com/office/drawing/2014/main" id="{64B6DE0A-1E48-ACD7-18B9-E4DF7F1C65E3}"/>
               </a:ext>
             </a:extLst>
           </p:cNvPr>
@@ -4663,8 +4833,8 @@
         </p:blipFill>
         <p:spPr>
           <a:xfrm>
-            <a:off x="1043233" y="2227545"/>
-            <a:ext cx="5052767" cy="2982214"/>
+            <a:off x="783437" y="1827945"/>
+            <a:ext cx="11079121" cy="2105319"/>
           </a:xfrm>
           <a:prstGeom prst="rect">
             <a:avLst/>
@@ -4706,7 +4876,7 @@
           <p:cNvPr id="9" name="図 8">
             <a:extLst>
               <a:ext uri="{FF2B5EF4-FFF2-40B4-BE49-F238E27FC236}">
-                <a16:creationId xmlns:a16="http://schemas.microsoft.com/office/drawing/2014/main" id="{6E9F40BB-3814-804D-89B3-F9E1F62300FD}"/>
+                <a16:creationId xmlns:a16="http://schemas.microsoft.com/office/drawing/2014/main" id="{83687932-B89D-CABB-FD5F-EED601EE0E11}"/>
               </a:ext>
             </a:extLst>
           </p:cNvPr>
@@ -4723,8 +4893,8 @@
         </p:blipFill>
         <p:spPr>
           <a:xfrm>
-            <a:off x="7314857" y="3307041"/>
-            <a:ext cx="3515216" cy="2343477"/>
+            <a:off x="707226" y="4638808"/>
+            <a:ext cx="11155332" cy="1724266"/>
           </a:xfrm>
           <a:prstGeom prst="rect">
             <a:avLst/>
@@ -4763,10 +4933,10 @@
       </p:pic>
       <p:sp>
         <p:nvSpPr>
-          <p:cNvPr id="11" name="正方形/長方形 10">
+          <p:cNvPr id="8" name="正方形/長方形 7">
             <a:extLst>
               <a:ext uri="{FF2B5EF4-FFF2-40B4-BE49-F238E27FC236}">
-                <a16:creationId xmlns:a16="http://schemas.microsoft.com/office/drawing/2014/main" id="{87858782-52FF-6FA8-B5A1-A612A5692FEB}"/>
+                <a16:creationId xmlns:a16="http://schemas.microsoft.com/office/drawing/2014/main" id="{40708464-4811-1D34-05BF-C9D18F928F39}"/>
               </a:ext>
             </a:extLst>
           </p:cNvPr>
@@ -4775,8 +4945,8 @@
         </p:nvSpPr>
         <p:spPr>
           <a:xfrm>
-            <a:off x="3462927" y="2745481"/>
-            <a:ext cx="2620635" cy="268300"/>
+            <a:off x="4898992" y="2195788"/>
+            <a:ext cx="354143" cy="332808"/>
           </a:xfrm>
           <a:prstGeom prst="rect">
             <a:avLst/>
@@ -4815,10 +4985,10 @@
       </p:sp>
       <p:sp>
         <p:nvSpPr>
-          <p:cNvPr id="12" name="矢印: 右 11">
+          <p:cNvPr id="10" name="矢印: 右 9">
             <a:extLst>
               <a:ext uri="{FF2B5EF4-FFF2-40B4-BE49-F238E27FC236}">
-                <a16:creationId xmlns:a16="http://schemas.microsoft.com/office/drawing/2014/main" id="{9AC4CDAA-B7A2-F0CD-9377-70120D2A8149}"/>
+                <a16:creationId xmlns:a16="http://schemas.microsoft.com/office/drawing/2014/main" id="{1DC55331-CD5D-5349-0A4D-919255B9B615}"/>
               </a:ext>
             </a:extLst>
           </p:cNvPr>
@@ -4826,9 +4996,9 @@
           <p:nvPr/>
         </p:nvSpPr>
         <p:spPr>
-          <a:xfrm rot="1428063">
-            <a:off x="6220740" y="2962118"/>
-            <a:ext cx="1005738" cy="741409"/>
+          <a:xfrm rot="5400000">
+            <a:off x="4151192" y="3173981"/>
+            <a:ext cx="1830703" cy="741409"/>
           </a:xfrm>
           <a:prstGeom prst="rightArrow">
             <a:avLst/>
@@ -4859,10 +5029,10 @@
       </p:sp>
       <p:sp>
         <p:nvSpPr>
-          <p:cNvPr id="13" name="テキスト ボックス 12">
+          <p:cNvPr id="11" name="テキスト ボックス 10">
             <a:extLst>
               <a:ext uri="{FF2B5EF4-FFF2-40B4-BE49-F238E27FC236}">
-                <a16:creationId xmlns:a16="http://schemas.microsoft.com/office/drawing/2014/main" id="{A533B852-D1F2-55CB-DCBA-CF35F81B7C6F}"/>
+                <a16:creationId xmlns:a16="http://schemas.microsoft.com/office/drawing/2014/main" id="{EBA97D7F-AD93-0538-9EA0-34B9D767051D}"/>
               </a:ext>
             </a:extLst>
           </p:cNvPr>
@@ -4871,8 +5041,8 @@
         </p:nvSpPr>
         <p:spPr>
           <a:xfrm>
-            <a:off x="5397486" y="1709122"/>
-            <a:ext cx="5975251" cy="830997"/>
+            <a:off x="5503751" y="3180114"/>
+            <a:ext cx="4239205" cy="461665"/>
           </a:xfrm>
           <a:prstGeom prst="rect">
             <a:avLst/>
@@ -4905,32 +5075,19 @@
               </a:rPr>
               <a:t>メニューから</a:t>
             </a:r>
-            <a:br>
+            <a:r>
+              <a:rPr lang="en-US" altLang="ja-JP" sz="2400" dirty="0">
+                <a:latin typeface="UD デジタル 教科書体 N-R" panose="02020400000000000000" pitchFamily="17" charset="-128"/>
+                <a:ea typeface="UD デジタル 教科書体 N-R" panose="02020400000000000000" pitchFamily="17" charset="-128"/>
+              </a:rPr>
+              <a:t>Terminal</a:t>
+            </a:r>
+            <a:r>
               <a:rPr lang="ja-JP" altLang="en-US" sz="2400" dirty="0">
                 <a:latin typeface="UD デジタル 教科書体 N-R" panose="02020400000000000000" pitchFamily="17" charset="-128"/>
                 <a:ea typeface="UD デジタル 教科書体 N-R" panose="02020400000000000000" pitchFamily="17" charset="-128"/>
               </a:rPr>
-            </a:br>
-            <a:r>
-              <a:rPr lang="ja-JP" altLang="en-US" sz="2400" dirty="0">
-                <a:latin typeface="UD デジタル 教科書体 N-R" panose="02020400000000000000" pitchFamily="17" charset="-128"/>
-                <a:ea typeface="UD デジタル 教科書体 N-R" panose="02020400000000000000" pitchFamily="17" charset="-128"/>
-              </a:rPr>
-              <a:t>「</a:t>
-            </a:r>
-            <a:r>
-              <a:rPr lang="en-US" altLang="ja-JP" sz="2400" dirty="0">
-                <a:latin typeface="UD デジタル 教科書体 N-R" panose="02020400000000000000" pitchFamily="17" charset="-128"/>
-                <a:ea typeface="UD デジタル 教科書体 N-R" panose="02020400000000000000" pitchFamily="17" charset="-128"/>
-              </a:rPr>
-              <a:t>Git &gt; Clone a Repository</a:t>
-            </a:r>
-            <a:r>
-              <a:rPr lang="ja-JP" altLang="en-US" sz="2400" dirty="0">
-                <a:latin typeface="UD デジタル 教科書体 N-R" panose="02020400000000000000" pitchFamily="17" charset="-128"/>
-                <a:ea typeface="UD デジタル 教科書体 N-R" panose="02020400000000000000" pitchFamily="17" charset="-128"/>
-              </a:rPr>
-              <a:t>」をクリック</a:t>
+              <a:t>を開く</a:t>
             </a:r>
             <a:endParaRPr lang="en-US" altLang="ja-JP" sz="2400" dirty="0">
               <a:latin typeface="UD デジタル 教科書体 N-R" panose="02020400000000000000" pitchFamily="17" charset="-128"/>
@@ -4941,166 +5098,10 @@
       </p:sp>
       <p:sp>
         <p:nvSpPr>
-          <p:cNvPr id="14" name="正方形/長方形 13">
+          <p:cNvPr id="12" name="テキスト ボックス 11">
             <a:extLst>
               <a:ext uri="{FF2B5EF4-FFF2-40B4-BE49-F238E27FC236}">
-                <a16:creationId xmlns:a16="http://schemas.microsoft.com/office/drawing/2014/main" id="{F9BFF2C8-79F3-B15D-AE43-17D5309E774B}"/>
-              </a:ext>
-            </a:extLst>
-          </p:cNvPr>
-          <p:cNvSpPr/>
-          <p:nvPr/>
-        </p:nvSpPr>
-        <p:spPr>
-          <a:xfrm>
-            <a:off x="3462927" y="2194073"/>
-            <a:ext cx="343963" cy="328718"/>
-          </a:xfrm>
-          <a:prstGeom prst="rect">
-            <a:avLst/>
-          </a:prstGeom>
-          <a:noFill/>
-          <a:ln w="63500">
-            <a:solidFill>
-              <a:srgbClr val="FF0000"/>
-            </a:solidFill>
-          </a:ln>
-        </p:spPr>
-        <p:style>
-          <a:lnRef idx="2">
-            <a:schemeClr val="accent1">
-              <a:shade val="50000"/>
-            </a:schemeClr>
-          </a:lnRef>
-          <a:fillRef idx="1">
-            <a:schemeClr val="accent1"/>
-          </a:fillRef>
-          <a:effectRef idx="0">
-            <a:schemeClr val="accent1"/>
-          </a:effectRef>
-          <a:fontRef idx="minor">
-            <a:schemeClr val="lt1"/>
-          </a:fontRef>
-        </p:style>
-        <p:txBody>
-          <a:bodyPr rtlCol="0" anchor="ctr"/>
-          <a:lstStyle/>
-          <a:p>
-            <a:pPr algn="ctr"/>
-            <a:endParaRPr kumimoji="1" lang="ja-JP" altLang="en-US"/>
-          </a:p>
-        </p:txBody>
-      </p:sp>
-      <p:sp>
-        <p:nvSpPr>
-          <p:cNvPr id="16" name="正方形/長方形 15">
-            <a:extLst>
-              <a:ext uri="{FF2B5EF4-FFF2-40B4-BE49-F238E27FC236}">
-                <a16:creationId xmlns:a16="http://schemas.microsoft.com/office/drawing/2014/main" id="{F5E37320-E5F9-E634-2D52-A0174219667E}"/>
-              </a:ext>
-            </a:extLst>
-          </p:cNvPr>
-          <p:cNvSpPr/>
-          <p:nvPr/>
-        </p:nvSpPr>
-        <p:spPr>
-          <a:xfrm>
-            <a:off x="7573706" y="4344629"/>
-            <a:ext cx="3053861" cy="423314"/>
-          </a:xfrm>
-          <a:prstGeom prst="rect">
-            <a:avLst/>
-          </a:prstGeom>
-          <a:noFill/>
-          <a:ln w="63500">
-            <a:solidFill>
-              <a:srgbClr val="FF0000"/>
-            </a:solidFill>
-          </a:ln>
-        </p:spPr>
-        <p:style>
-          <a:lnRef idx="2">
-            <a:schemeClr val="accent1">
-              <a:shade val="50000"/>
-            </a:schemeClr>
-          </a:lnRef>
-          <a:fillRef idx="1">
-            <a:schemeClr val="accent1"/>
-          </a:fillRef>
-          <a:effectRef idx="0">
-            <a:schemeClr val="accent1"/>
-          </a:effectRef>
-          <a:fontRef idx="minor">
-            <a:schemeClr val="lt1"/>
-          </a:fontRef>
-        </p:style>
-        <p:txBody>
-          <a:bodyPr rtlCol="0" anchor="ctr"/>
-          <a:lstStyle/>
-          <a:p>
-            <a:pPr algn="ctr"/>
-            <a:endParaRPr kumimoji="1" lang="ja-JP" altLang="en-US"/>
-          </a:p>
-        </p:txBody>
-      </p:sp>
-      <p:sp>
-        <p:nvSpPr>
-          <p:cNvPr id="17" name="正方形/長方形 16">
-            <a:extLst>
-              <a:ext uri="{FF2B5EF4-FFF2-40B4-BE49-F238E27FC236}">
-                <a16:creationId xmlns:a16="http://schemas.microsoft.com/office/drawing/2014/main" id="{432C61C9-C245-B330-DE2A-20B6CAC26025}"/>
-              </a:ext>
-            </a:extLst>
-          </p:cNvPr>
-          <p:cNvSpPr/>
-          <p:nvPr/>
-        </p:nvSpPr>
-        <p:spPr>
-          <a:xfrm>
-            <a:off x="9675845" y="4961500"/>
-            <a:ext cx="951722" cy="363138"/>
-          </a:xfrm>
-          <a:prstGeom prst="rect">
-            <a:avLst/>
-          </a:prstGeom>
-          <a:noFill/>
-          <a:ln w="63500">
-            <a:solidFill>
-              <a:srgbClr val="FF0000"/>
-            </a:solidFill>
-          </a:ln>
-        </p:spPr>
-        <p:style>
-          <a:lnRef idx="2">
-            <a:schemeClr val="accent1">
-              <a:shade val="50000"/>
-            </a:schemeClr>
-          </a:lnRef>
-          <a:fillRef idx="1">
-            <a:schemeClr val="accent1"/>
-          </a:fillRef>
-          <a:effectRef idx="0">
-            <a:schemeClr val="accent1"/>
-          </a:effectRef>
-          <a:fontRef idx="minor">
-            <a:schemeClr val="lt1"/>
-          </a:fontRef>
-        </p:style>
-        <p:txBody>
-          <a:bodyPr rtlCol="0" anchor="ctr"/>
-          <a:lstStyle/>
-          <a:p>
-            <a:pPr algn="ctr"/>
-            <a:endParaRPr kumimoji="1" lang="ja-JP" altLang="en-US"/>
-          </a:p>
-        </p:txBody>
-      </p:sp>
-      <p:sp>
-        <p:nvSpPr>
-          <p:cNvPr id="18" name="テキスト ボックス 17">
-            <a:extLst>
-              <a:ext uri="{FF2B5EF4-FFF2-40B4-BE49-F238E27FC236}">
-                <a16:creationId xmlns:a16="http://schemas.microsoft.com/office/drawing/2014/main" id="{FCBE2D74-AF95-8CB9-BADB-C2CEF4143820}"/>
+                <a16:creationId xmlns:a16="http://schemas.microsoft.com/office/drawing/2014/main" id="{4B068886-CAB8-88B9-2A0F-6C1B97DCD993}"/>
               </a:ext>
             </a:extLst>
           </p:cNvPr>
@@ -5109,8 +5110,8 @@
         </p:nvSpPr>
         <p:spPr>
           <a:xfrm>
-            <a:off x="2994578" y="5820490"/>
-            <a:ext cx="8677470" cy="830997"/>
+            <a:off x="6096000" y="90090"/>
+            <a:ext cx="5024644" cy="923330"/>
           </a:xfrm>
           <a:prstGeom prst="rect">
             <a:avLst/>
@@ -5133,48 +5134,80 @@
           </a:bodyPr>
           <a:lstStyle/>
           <a:p>
-            <a:r>
-              <a:rPr lang="ja-JP" altLang="en-US" sz="2400" dirty="0">
+            <a:pPr marL="0" indent="0">
+              <a:buNone/>
+            </a:pPr>
+            <a:r>
+              <a:rPr lang="ja-JP" altLang="en-US" dirty="0">
                 <a:latin typeface="UD デジタル 教科書体 N-R" panose="02020400000000000000" pitchFamily="17" charset="-128"/>
                 <a:ea typeface="UD デジタル 教科書体 N-R" panose="02020400000000000000" pitchFamily="17" charset="-128"/>
               </a:rPr>
-              <a:t>次のリポジトリを指定して、</a:t>
-            </a:r>
-            <a:r>
-              <a:rPr lang="en-US" altLang="ja-JP" sz="2400" dirty="0">
+              <a:t>今回利用する</a:t>
+            </a:r>
+            <a:r>
+              <a:rPr lang="en-US" altLang="ja-JP" dirty="0">
                 <a:latin typeface="UD デジタル 教科書体 N-R" panose="02020400000000000000" pitchFamily="17" charset="-128"/>
                 <a:ea typeface="UD デジタル 教科書体 N-R" panose="02020400000000000000" pitchFamily="17" charset="-128"/>
               </a:rPr>
-              <a:t>CLONE</a:t>
-            </a:r>
-            <a:r>
-              <a:rPr lang="ja-JP" altLang="en-US" sz="2400" dirty="0">
+              <a:t>TKET</a:t>
+            </a:r>
+            <a:r>
+              <a:rPr lang="ja-JP" altLang="en-US" dirty="0">
                 <a:latin typeface="UD デジタル 教科書体 N-R" panose="02020400000000000000" pitchFamily="17" charset="-128"/>
                 <a:ea typeface="UD デジタル 教科書体 N-R" panose="02020400000000000000" pitchFamily="17" charset="-128"/>
               </a:rPr>
-              <a:t>をクリック</a:t>
+              <a:t>の教材は、</a:t>
+            </a:r>
+          </a:p>
+          <a:p>
+            <a:pPr marL="0" indent="0">
+              <a:buNone/>
+            </a:pPr>
+            <a:r>
+              <a:rPr lang="ja-JP" altLang="en-US" dirty="0">
+                <a:latin typeface="UD デジタル 教科書体 N-R" panose="02020400000000000000" pitchFamily="17" charset="-128"/>
+                <a:ea typeface="UD デジタル 教科書体 N-R" panose="02020400000000000000" pitchFamily="17" charset="-128"/>
+              </a:rPr>
+              <a:t>これまでの量子ソフトウェア勉強会の教材とは</a:t>
             </a:r>
             <a:br>
-              <a:rPr lang="ja-JP" altLang="en-US" sz="2400" dirty="0">
+              <a:rPr lang="ja-JP" altLang="en-US" dirty="0">
                 <a:latin typeface="UD デジタル 教科書体 N-R" panose="02020400000000000000" pitchFamily="17" charset="-128"/>
                 <a:ea typeface="UD デジタル 教科書体 N-R" panose="02020400000000000000" pitchFamily="17" charset="-128"/>
               </a:rPr>
             </a:br>
             <a:r>
-              <a:rPr lang="en-US" altLang="ja-JP" sz="2400" dirty="0">
+              <a:rPr lang="ja-JP" altLang="en-US" dirty="0">
                 <a:latin typeface="UD デジタル 教科書体 N-R" panose="02020400000000000000" pitchFamily="17" charset="-128"/>
                 <a:ea typeface="UD デジタル 教科書体 N-R" panose="02020400000000000000" pitchFamily="17" charset="-128"/>
               </a:rPr>
-              <a:t>https://github.com/cqcjapan/QSRH-Quantinuum.git</a:t>
-            </a:r>
-            <a:endParaRPr lang="ja-JP" altLang="en-US" sz="2400" dirty="0"/>
+              <a:t>別の</a:t>
+            </a:r>
+            <a:r>
+              <a:rPr lang="en-US" altLang="ja-JP" dirty="0">
+                <a:latin typeface="UD デジタル 教科書体 N-R" panose="02020400000000000000" pitchFamily="17" charset="-128"/>
+                <a:ea typeface="UD デジタル 教科書体 N-R" panose="02020400000000000000" pitchFamily="17" charset="-128"/>
+              </a:rPr>
+              <a:t>GitHub</a:t>
+            </a:r>
+            <a:r>
+              <a:rPr lang="ja-JP" altLang="en-US" dirty="0">
+                <a:latin typeface="UD デジタル 教科書体 N-R" panose="02020400000000000000" pitchFamily="17" charset="-128"/>
+                <a:ea typeface="UD デジタル 教科書体 N-R" panose="02020400000000000000" pitchFamily="17" charset="-128"/>
+              </a:rPr>
+              <a:t>から取得します。</a:t>
+            </a:r>
+            <a:endParaRPr lang="en-US" altLang="ja-JP" dirty="0">
+              <a:latin typeface="UD デジタル 教科書体 N-R" panose="02020400000000000000" pitchFamily="17" charset="-128"/>
+              <a:ea typeface="UD デジタル 教科書体 N-R" panose="02020400000000000000" pitchFamily="17" charset="-128"/>
+            </a:endParaRPr>
           </a:p>
         </p:txBody>
       </p:sp>
     </p:spTree>
     <p:extLst>
       <p:ext uri="{BB962C8B-B14F-4D97-AF65-F5344CB8AC3E}">
-        <p14:creationId xmlns:p14="http://schemas.microsoft.com/office/powerpoint/2010/main" val="1001194235"/>
+        <p14:creationId xmlns:p14="http://schemas.microsoft.com/office/powerpoint/2010/main" val="1257710113"/>
       </p:ext>
     </p:extLst>
   </p:cSld>
@@ -5201,66 +5234,6 @@
           <a:chExt cx="0" cy="0"/>
         </a:xfrm>
       </p:grpSpPr>
-      <p:pic>
-        <p:nvPicPr>
-          <p:cNvPr id="15" name="図 14">
-            <a:extLst>
-              <a:ext uri="{FF2B5EF4-FFF2-40B4-BE49-F238E27FC236}">
-                <a16:creationId xmlns:a16="http://schemas.microsoft.com/office/drawing/2014/main" id="{FCEF617E-BBE5-4CCF-D922-3D86AE3C663E}"/>
-              </a:ext>
-            </a:extLst>
-          </p:cNvPr>
-          <p:cNvPicPr>
-            <a:picLocks noChangeAspect="1"/>
-          </p:cNvPicPr>
-          <p:nvPr/>
-        </p:nvPicPr>
-        <p:blipFill>
-          <a:blip r:embed="rId3"/>
-          <a:stretch>
-            <a:fillRect/>
-          </a:stretch>
-        </p:blipFill>
-        <p:spPr>
-          <a:xfrm>
-            <a:off x="1424055" y="1724094"/>
-            <a:ext cx="3214485" cy="4885135"/>
-          </a:xfrm>
-          <a:prstGeom prst="rect">
-            <a:avLst/>
-          </a:prstGeom>
-        </p:spPr>
-      </p:pic>
-      <p:pic>
-        <p:nvPicPr>
-          <p:cNvPr id="7" name="図 6">
-            <a:extLst>
-              <a:ext uri="{FF2B5EF4-FFF2-40B4-BE49-F238E27FC236}">
-                <a16:creationId xmlns:a16="http://schemas.microsoft.com/office/drawing/2014/main" id="{23154397-39A9-E43F-A63D-6AB5A33E2791}"/>
-              </a:ext>
-            </a:extLst>
-          </p:cNvPr>
-          <p:cNvPicPr>
-            <a:picLocks noChangeAspect="1"/>
-          </p:cNvPicPr>
-          <p:nvPr/>
-        </p:nvPicPr>
-        <p:blipFill>
-          <a:blip r:embed="rId4"/>
-          <a:stretch>
-            <a:fillRect/>
-          </a:stretch>
-        </p:blipFill>
-        <p:spPr>
-          <a:xfrm>
-            <a:off x="5964577" y="1415473"/>
-            <a:ext cx="5470260" cy="3711196"/>
-          </a:xfrm>
-          <a:prstGeom prst="rect">
-            <a:avLst/>
-          </a:prstGeom>
-        </p:spPr>
-      </p:pic>
       <p:sp>
         <p:nvSpPr>
           <p:cNvPr id="2" name="タイトル 1">
@@ -5324,8 +5297,20 @@
               <a:buNone/>
             </a:pPr>
             <a:r>
+              <a:rPr lang="en-US" altLang="ja-JP" dirty="0"/>
+              <a:t>git</a:t>
+            </a:r>
+            <a:r>
               <a:rPr lang="ja-JP" altLang="en-US" dirty="0"/>
-              <a:t>開く教材をダブルクリック</a:t>
+              <a:t>コマンドを使って、</a:t>
+            </a:r>
+            <a:r>
+              <a:rPr lang="en-US" altLang="ja-JP" dirty="0"/>
+              <a:t>TKET</a:t>
+            </a:r>
+            <a:r>
+              <a:rPr lang="ja-JP" altLang="en-US" dirty="0"/>
+              <a:t>のハンズオン教材を取得</a:t>
             </a:r>
           </a:p>
           <a:p>
@@ -5500,106 +5485,10 @@
       </p:sp>
       <p:sp>
         <p:nvSpPr>
-          <p:cNvPr id="8" name="正方形/長方形 7">
+          <p:cNvPr id="9" name="テキスト ボックス 8">
             <a:extLst>
               <a:ext uri="{FF2B5EF4-FFF2-40B4-BE49-F238E27FC236}">
-                <a16:creationId xmlns:a16="http://schemas.microsoft.com/office/drawing/2014/main" id="{A3D91B70-D19E-E078-C66F-761B1F3CFA4F}"/>
-              </a:ext>
-            </a:extLst>
-          </p:cNvPr>
-          <p:cNvSpPr/>
-          <p:nvPr/>
-        </p:nvSpPr>
-        <p:spPr>
-          <a:xfrm>
-            <a:off x="1562069" y="2546413"/>
-            <a:ext cx="3076471" cy="442087"/>
-          </a:xfrm>
-          <a:prstGeom prst="rect">
-            <a:avLst/>
-          </a:prstGeom>
-          <a:noFill/>
-          <a:ln w="63500">
-            <a:solidFill>
-              <a:srgbClr val="FF0000"/>
-            </a:solidFill>
-          </a:ln>
-        </p:spPr>
-        <p:style>
-          <a:lnRef idx="2">
-            <a:schemeClr val="accent1">
-              <a:shade val="50000"/>
-            </a:schemeClr>
-          </a:lnRef>
-          <a:fillRef idx="1">
-            <a:schemeClr val="accent1"/>
-          </a:fillRef>
-          <a:effectRef idx="0">
-            <a:schemeClr val="accent1"/>
-          </a:effectRef>
-          <a:fontRef idx="minor">
-            <a:schemeClr val="lt1"/>
-          </a:fontRef>
-        </p:style>
-        <p:txBody>
-          <a:bodyPr rtlCol="0" anchor="ctr"/>
-          <a:lstStyle/>
-          <a:p>
-            <a:pPr algn="ctr"/>
-            <a:endParaRPr kumimoji="1" lang="ja-JP" altLang="en-US"/>
-          </a:p>
-        </p:txBody>
-      </p:sp>
-      <p:sp>
-        <p:nvSpPr>
-          <p:cNvPr id="10" name="矢印: 右 9">
-            <a:extLst>
-              <a:ext uri="{FF2B5EF4-FFF2-40B4-BE49-F238E27FC236}">
-                <a16:creationId xmlns:a16="http://schemas.microsoft.com/office/drawing/2014/main" id="{4A572C94-37B9-7D19-E393-A5868A9AACF3}"/>
-              </a:ext>
-            </a:extLst>
-          </p:cNvPr>
-          <p:cNvSpPr/>
-          <p:nvPr/>
-        </p:nvSpPr>
-        <p:spPr>
-          <a:xfrm>
-            <a:off x="4848288" y="2617796"/>
-            <a:ext cx="1005738" cy="741409"/>
-          </a:xfrm>
-          <a:prstGeom prst="rightArrow">
-            <a:avLst/>
-          </a:prstGeom>
-        </p:spPr>
-        <p:style>
-          <a:lnRef idx="1">
-            <a:schemeClr val="accent2"/>
-          </a:lnRef>
-          <a:fillRef idx="3">
-            <a:schemeClr val="accent2"/>
-          </a:fillRef>
-          <a:effectRef idx="2">
-            <a:schemeClr val="accent2"/>
-          </a:effectRef>
-          <a:fontRef idx="minor">
-            <a:schemeClr val="lt1"/>
-          </a:fontRef>
-        </p:style>
-        <p:txBody>
-          <a:bodyPr rtlCol="0" anchor="ctr"/>
-          <a:lstStyle/>
-          <a:p>
-            <a:pPr algn="ctr"/>
-            <a:endParaRPr kumimoji="1" lang="ja-JP" altLang="en-US"/>
-          </a:p>
-        </p:txBody>
-      </p:sp>
-      <p:sp>
-        <p:nvSpPr>
-          <p:cNvPr id="12" name="テキスト ボックス 11">
-            <a:extLst>
-              <a:ext uri="{FF2B5EF4-FFF2-40B4-BE49-F238E27FC236}">
-                <a16:creationId xmlns:a16="http://schemas.microsoft.com/office/drawing/2014/main" id="{AB182E14-264A-CAB6-990A-A7CD3F3177D5}"/>
+                <a16:creationId xmlns:a16="http://schemas.microsoft.com/office/drawing/2014/main" id="{69B3885C-20DF-686D-FF6C-33E821C0F6F9}"/>
               </a:ext>
             </a:extLst>
           </p:cNvPr>
@@ -5608,8 +5497,8 @@
         </p:nvSpPr>
         <p:spPr>
           <a:xfrm>
-            <a:off x="5696797" y="5585905"/>
-            <a:ext cx="5975251" cy="830997"/>
+            <a:off x="605118" y="4236551"/>
+            <a:ext cx="9657468" cy="461665"/>
           </a:xfrm>
           <a:prstGeom prst="rect">
             <a:avLst/>
@@ -5632,124 +5521,349 @@
           </a:bodyPr>
           <a:lstStyle/>
           <a:p>
-            <a:pPr marL="0" indent="0">
-              <a:buNone/>
-            </a:pPr>
-            <a:r>
-              <a:rPr lang="en-US" altLang="ja-JP" sz="2400" dirty="0" err="1">
-                <a:latin typeface="UD デジタル 教科書体 N-R" panose="02020400000000000000" pitchFamily="17" charset="-128"/>
-                <a:ea typeface="UD デジタル 教科書体 N-R" panose="02020400000000000000" pitchFamily="17" charset="-128"/>
-              </a:rPr>
-              <a:t>PyTorch</a:t>
-            </a:r>
             <a:r>
               <a:rPr lang="en-US" altLang="ja-JP" sz="2400" dirty="0">
                 <a:latin typeface="UD デジタル 教科書体 N-R" panose="02020400000000000000" pitchFamily="17" charset="-128"/>
                 <a:ea typeface="UD デジタル 教科書体 N-R" panose="02020400000000000000" pitchFamily="17" charset="-128"/>
               </a:rPr>
-              <a:t> 1.10 </a:t>
-            </a:r>
-            <a:r>
-              <a:rPr lang="en-US" altLang="ja-JP" sz="2400" dirty="0">
-                <a:solidFill>
-                  <a:srgbClr val="FF0000"/>
-                </a:solidFill>
-                <a:latin typeface="UD デジタル 教科書体 N-R" panose="02020400000000000000" pitchFamily="17" charset="-128"/>
-                <a:ea typeface="UD デジタル 教科書体 N-R" panose="02020400000000000000" pitchFamily="17" charset="-128"/>
-              </a:rPr>
-              <a:t>Python 3.8 </a:t>
-            </a:r>
-            <a:r>
-              <a:rPr lang="en-US" altLang="ja-JP" sz="2400" dirty="0">
-                <a:latin typeface="UD デジタル 教科書体 N-R" panose="02020400000000000000" pitchFamily="17" charset="-128"/>
-                <a:ea typeface="UD デジタル 教科書体 N-R" panose="02020400000000000000" pitchFamily="17" charset="-128"/>
-              </a:rPr>
-              <a:t>CPU Optimized</a:t>
-            </a:r>
-            <a:r>
-              <a:rPr lang="ja-JP" altLang="en-US" sz="2400" dirty="0">
-                <a:latin typeface="UD デジタル 教科書体 N-R" panose="02020400000000000000" pitchFamily="17" charset="-128"/>
-                <a:ea typeface="UD デジタル 教科書体 N-R" panose="02020400000000000000" pitchFamily="17" charset="-128"/>
-              </a:rPr>
-              <a:t>を選択し「</a:t>
-            </a:r>
-            <a:r>
-              <a:rPr lang="en-US" altLang="ja-JP" sz="2400" dirty="0">
-                <a:latin typeface="UD デジタル 教科書体 N-R" panose="02020400000000000000" pitchFamily="17" charset="-128"/>
-                <a:ea typeface="UD デジタル 教科書体 N-R" panose="02020400000000000000" pitchFamily="17" charset="-128"/>
-              </a:rPr>
-              <a:t>Select</a:t>
-            </a:r>
-            <a:r>
-              <a:rPr lang="ja-JP" altLang="en-US" sz="2400" dirty="0">
-                <a:latin typeface="UD デジタル 教科書体 N-R" panose="02020400000000000000" pitchFamily="17" charset="-128"/>
-                <a:ea typeface="UD デジタル 教科書体 N-R" panose="02020400000000000000" pitchFamily="17" charset="-128"/>
-              </a:rPr>
-              <a:t>」をクリック</a:t>
-            </a:r>
-            <a:endParaRPr lang="en-US" altLang="ja-JP" sz="2400" dirty="0">
-              <a:latin typeface="UD デジタル 教科書体 N-R" panose="02020400000000000000" pitchFamily="17" charset="-128"/>
-              <a:ea typeface="UD デジタル 教科書体 N-R" panose="02020400000000000000" pitchFamily="17" charset="-128"/>
-            </a:endParaRPr>
-          </a:p>
-        </p:txBody>
-      </p:sp>
-      <p:sp>
-        <p:nvSpPr>
-          <p:cNvPr id="13" name="正方形/長方形 12">
+              <a:t># git clone https://github.com/cqcjapan/QSRH-Quantinuum.git</a:t>
+            </a:r>
+            <a:endParaRPr lang="ja-JP" altLang="en-US" sz="2400" dirty="0"/>
+          </a:p>
+        </p:txBody>
+      </p:sp>
+      <p:sp>
+        <p:nvSpPr>
+          <p:cNvPr id="10" name="コンテンツ プレースホルダー 2">
             <a:extLst>
               <a:ext uri="{FF2B5EF4-FFF2-40B4-BE49-F238E27FC236}">
-                <a16:creationId xmlns:a16="http://schemas.microsoft.com/office/drawing/2014/main" id="{647F19F0-D430-4841-3B41-6D2074FEDB93}"/>
+                <a16:creationId xmlns:a16="http://schemas.microsoft.com/office/drawing/2014/main" id="{FF2A2373-ACF9-7C21-4016-0CE247EBC8AF}"/>
               </a:ext>
             </a:extLst>
           </p:cNvPr>
-          <p:cNvSpPr/>
+          <p:cNvSpPr txBox="1">
+            <a:spLocks/>
+          </p:cNvSpPr>
           <p:nvPr/>
         </p:nvSpPr>
         <p:spPr>
           <a:xfrm>
-            <a:off x="8314509" y="3359205"/>
-            <a:ext cx="1299754" cy="447849"/>
+            <a:off x="519952" y="5013842"/>
+            <a:ext cx="11066930" cy="1135198"/>
           </a:xfrm>
           <a:prstGeom prst="rect">
             <a:avLst/>
           </a:prstGeom>
-          <a:noFill/>
-          <a:ln w="63500">
+        </p:spPr>
+        <p:txBody>
+          <a:bodyPr vert="horz" lIns="91440" tIns="45720" rIns="91440" bIns="45720" rtlCol="0">
+            <a:normAutofit fontScale="85000" lnSpcReduction="10000"/>
+          </a:bodyPr>
+          <a:lstStyle>
+            <a:lvl1pPr marL="228600" indent="-228600" algn="l" defTabSz="914400" rtl="0" eaLnBrk="1" latinLnBrk="0" hangingPunct="1">
+              <a:lnSpc>
+                <a:spcPct val="90000"/>
+              </a:lnSpc>
+              <a:spcBef>
+                <a:spcPts val="1000"/>
+              </a:spcBef>
+              <a:buFont typeface="Arial" panose="020B0604020202020204" pitchFamily="34" charset="0"/>
+              <a:buChar char="•"/>
+              <a:defRPr kumimoji="1" sz="2800" kern="1200">
+                <a:solidFill>
+                  <a:schemeClr val="tx1"/>
+                </a:solidFill>
+                <a:latin typeface="UD デジタル 教科書体 N-R" panose="02020400000000000000" pitchFamily="17" charset="-128"/>
+                <a:ea typeface="UD デジタル 教科書体 N-R" panose="02020400000000000000" pitchFamily="17" charset="-128"/>
+                <a:cs typeface="+mn-cs"/>
+              </a:defRPr>
+            </a:lvl1pPr>
+            <a:lvl2pPr marL="685800" indent="-228600" algn="l" defTabSz="914400" rtl="0" eaLnBrk="1" latinLnBrk="0" hangingPunct="1">
+              <a:lnSpc>
+                <a:spcPct val="90000"/>
+              </a:lnSpc>
+              <a:spcBef>
+                <a:spcPts val="500"/>
+              </a:spcBef>
+              <a:buFont typeface="Arial" panose="020B0604020202020204" pitchFamily="34" charset="0"/>
+              <a:buChar char="•"/>
+              <a:defRPr kumimoji="1" sz="2400" kern="1200">
+                <a:solidFill>
+                  <a:schemeClr val="tx1"/>
+                </a:solidFill>
+                <a:latin typeface="UD デジタル 教科書体 N-R" panose="02020400000000000000" pitchFamily="17" charset="-128"/>
+                <a:ea typeface="UD デジタル 教科書体 N-R" panose="02020400000000000000" pitchFamily="17" charset="-128"/>
+                <a:cs typeface="+mn-cs"/>
+              </a:defRPr>
+            </a:lvl2pPr>
+            <a:lvl3pPr marL="1143000" indent="-228600" algn="l" defTabSz="914400" rtl="0" eaLnBrk="1" latinLnBrk="0" hangingPunct="1">
+              <a:lnSpc>
+                <a:spcPct val="90000"/>
+              </a:lnSpc>
+              <a:spcBef>
+                <a:spcPts val="500"/>
+              </a:spcBef>
+              <a:buFont typeface="Arial" panose="020B0604020202020204" pitchFamily="34" charset="0"/>
+              <a:buChar char="•"/>
+              <a:defRPr kumimoji="1" sz="2000" kern="1200">
+                <a:solidFill>
+                  <a:schemeClr val="tx1"/>
+                </a:solidFill>
+                <a:latin typeface="UD デジタル 教科書体 N-R" panose="02020400000000000000" pitchFamily="17" charset="-128"/>
+                <a:ea typeface="UD デジタル 教科書体 N-R" panose="02020400000000000000" pitchFamily="17" charset="-128"/>
+                <a:cs typeface="+mn-cs"/>
+              </a:defRPr>
+            </a:lvl3pPr>
+            <a:lvl4pPr marL="1600200" indent="-228600" algn="l" defTabSz="914400" rtl="0" eaLnBrk="1" latinLnBrk="0" hangingPunct="1">
+              <a:lnSpc>
+                <a:spcPct val="90000"/>
+              </a:lnSpc>
+              <a:spcBef>
+                <a:spcPts val="500"/>
+              </a:spcBef>
+              <a:buFont typeface="Arial" panose="020B0604020202020204" pitchFamily="34" charset="0"/>
+              <a:buChar char="•"/>
+              <a:defRPr kumimoji="1" sz="1800" kern="1200">
+                <a:solidFill>
+                  <a:schemeClr val="tx1"/>
+                </a:solidFill>
+                <a:latin typeface="UD デジタル 教科書体 N-R" panose="02020400000000000000" pitchFamily="17" charset="-128"/>
+                <a:ea typeface="UD デジタル 教科書体 N-R" panose="02020400000000000000" pitchFamily="17" charset="-128"/>
+                <a:cs typeface="+mn-cs"/>
+              </a:defRPr>
+            </a:lvl4pPr>
+            <a:lvl5pPr marL="2057400" indent="-228600" algn="l" defTabSz="914400" rtl="0" eaLnBrk="1" latinLnBrk="0" hangingPunct="1">
+              <a:lnSpc>
+                <a:spcPct val="90000"/>
+              </a:lnSpc>
+              <a:spcBef>
+                <a:spcPts val="500"/>
+              </a:spcBef>
+              <a:buFont typeface="Arial" panose="020B0604020202020204" pitchFamily="34" charset="0"/>
+              <a:buChar char="•"/>
+              <a:defRPr kumimoji="1" sz="1800" kern="1200">
+                <a:solidFill>
+                  <a:schemeClr val="tx1"/>
+                </a:solidFill>
+                <a:latin typeface="UD デジタル 教科書体 N-R" panose="02020400000000000000" pitchFamily="17" charset="-128"/>
+                <a:ea typeface="UD デジタル 教科書体 N-R" panose="02020400000000000000" pitchFamily="17" charset="-128"/>
+                <a:cs typeface="+mn-cs"/>
+              </a:defRPr>
+            </a:lvl5pPr>
+            <a:lvl6pPr marL="2514600" indent="-228600" algn="l" defTabSz="914400" rtl="0" eaLnBrk="1" latinLnBrk="0" hangingPunct="1">
+              <a:lnSpc>
+                <a:spcPct val="90000"/>
+              </a:lnSpc>
+              <a:spcBef>
+                <a:spcPts val="500"/>
+              </a:spcBef>
+              <a:buFont typeface="Arial" panose="020B0604020202020204" pitchFamily="34" charset="0"/>
+              <a:buChar char="•"/>
+              <a:defRPr kumimoji="1" sz="1800" kern="1200">
+                <a:solidFill>
+                  <a:schemeClr val="tx1"/>
+                </a:solidFill>
+                <a:latin typeface="+mn-lt"/>
+                <a:ea typeface="+mn-ea"/>
+                <a:cs typeface="+mn-cs"/>
+              </a:defRPr>
+            </a:lvl6pPr>
+            <a:lvl7pPr marL="2971800" indent="-228600" algn="l" defTabSz="914400" rtl="0" eaLnBrk="1" latinLnBrk="0" hangingPunct="1">
+              <a:lnSpc>
+                <a:spcPct val="90000"/>
+              </a:lnSpc>
+              <a:spcBef>
+                <a:spcPts val="500"/>
+              </a:spcBef>
+              <a:buFont typeface="Arial" panose="020B0604020202020204" pitchFamily="34" charset="0"/>
+              <a:buChar char="•"/>
+              <a:defRPr kumimoji="1" sz="1800" kern="1200">
+                <a:solidFill>
+                  <a:schemeClr val="tx1"/>
+                </a:solidFill>
+                <a:latin typeface="+mn-lt"/>
+                <a:ea typeface="+mn-ea"/>
+                <a:cs typeface="+mn-cs"/>
+              </a:defRPr>
+            </a:lvl7pPr>
+            <a:lvl8pPr marL="3429000" indent="-228600" algn="l" defTabSz="914400" rtl="0" eaLnBrk="1" latinLnBrk="0" hangingPunct="1">
+              <a:lnSpc>
+                <a:spcPct val="90000"/>
+              </a:lnSpc>
+              <a:spcBef>
+                <a:spcPts val="500"/>
+              </a:spcBef>
+              <a:buFont typeface="Arial" panose="020B0604020202020204" pitchFamily="34" charset="0"/>
+              <a:buChar char="•"/>
+              <a:defRPr kumimoji="1" sz="1800" kern="1200">
+                <a:solidFill>
+                  <a:schemeClr val="tx1"/>
+                </a:solidFill>
+                <a:latin typeface="+mn-lt"/>
+                <a:ea typeface="+mn-ea"/>
+                <a:cs typeface="+mn-cs"/>
+              </a:defRPr>
+            </a:lvl8pPr>
+            <a:lvl9pPr marL="3886200" indent="-228600" algn="l" defTabSz="914400" rtl="0" eaLnBrk="1" latinLnBrk="0" hangingPunct="1">
+              <a:lnSpc>
+                <a:spcPct val="90000"/>
+              </a:lnSpc>
+              <a:spcBef>
+                <a:spcPts val="500"/>
+              </a:spcBef>
+              <a:buFont typeface="Arial" panose="020B0604020202020204" pitchFamily="34" charset="0"/>
+              <a:buChar char="•"/>
+              <a:defRPr kumimoji="1" sz="1800" kern="1200">
+                <a:solidFill>
+                  <a:schemeClr val="tx1"/>
+                </a:solidFill>
+                <a:latin typeface="+mn-lt"/>
+                <a:ea typeface="+mn-ea"/>
+                <a:cs typeface="+mn-cs"/>
+              </a:defRPr>
+            </a:lvl9pPr>
+          </a:lstStyle>
+          <a:p>
+            <a:pPr marL="0" indent="0">
+              <a:buNone/>
+            </a:pPr>
+            <a:r>
+              <a:rPr lang="en-US" altLang="ja-JP" sz="2800" dirty="0">
+                <a:latin typeface="UD デジタル 教科書体 N-R" panose="02020400000000000000" pitchFamily="17" charset="-128"/>
+                <a:ea typeface="UD デジタル 教科書体 N-R" panose="02020400000000000000" pitchFamily="17" charset="-128"/>
+              </a:rPr>
+              <a:t>Teams</a:t>
+            </a:r>
+            <a:r>
+              <a:rPr lang="ja-JP" altLang="en-US" sz="2800" dirty="0">
+                <a:latin typeface="UD デジタル 教科書体 N-R" panose="02020400000000000000" pitchFamily="17" charset="-128"/>
+                <a:ea typeface="UD デジタル 教科書体 N-R" panose="02020400000000000000" pitchFamily="17" charset="-128"/>
+              </a:rPr>
+              <a:t>のファイルビューワーからこのファイルを開いて</a:t>
+            </a:r>
+            <a:r>
+              <a:rPr lang="en-US" altLang="ja-JP" sz="2800" dirty="0">
+                <a:latin typeface="UD デジタル 教科書体 N-R" panose="02020400000000000000" pitchFamily="17" charset="-128"/>
+                <a:ea typeface="UD デジタル 教科書体 N-R" panose="02020400000000000000" pitchFamily="17" charset="-128"/>
+              </a:rPr>
+              <a:t>URL</a:t>
+            </a:r>
+            <a:r>
+              <a:rPr lang="ja-JP" altLang="en-US" sz="2800" dirty="0">
+                <a:latin typeface="UD デジタル 教科書体 N-R" panose="02020400000000000000" pitchFamily="17" charset="-128"/>
+                <a:ea typeface="UD デジタル 教科書体 N-R" panose="02020400000000000000" pitchFamily="17" charset="-128"/>
+              </a:rPr>
+              <a:t>をコピーすると、</a:t>
+            </a:r>
+            <a:br>
+              <a:rPr lang="ja-JP" altLang="en-US" sz="2800" dirty="0">
+                <a:latin typeface="UD デジタル 教科書体 N-R" panose="02020400000000000000" pitchFamily="17" charset="-128"/>
+                <a:ea typeface="UD デジタル 教科書体 N-R" panose="02020400000000000000" pitchFamily="17" charset="-128"/>
+              </a:rPr>
+            </a:br>
+            <a:r>
+              <a:rPr lang="ja-JP" altLang="en-US" sz="2800" dirty="0">
+                <a:latin typeface="UD デジタル 教科書体 N-R" panose="02020400000000000000" pitchFamily="17" charset="-128"/>
+                <a:ea typeface="UD デジタル 教科書体 N-R" panose="02020400000000000000" pitchFamily="17" charset="-128"/>
+              </a:rPr>
+              <a:t>末尾に余分な空白が入り、エラーとなるケースがあります。</a:t>
+            </a:r>
+            <a:endParaRPr lang="en-US" altLang="ja-JP" sz="2800" dirty="0">
+              <a:latin typeface="UD デジタル 教科書体 N-R" panose="02020400000000000000" pitchFamily="17" charset="-128"/>
+              <a:ea typeface="UD デジタル 教科書体 N-R" panose="02020400000000000000" pitchFamily="17" charset="-128"/>
+            </a:endParaRPr>
+          </a:p>
+          <a:p>
+            <a:pPr marL="0" indent="0">
+              <a:buNone/>
+            </a:pPr>
+            <a:r>
+              <a:rPr lang="en-US" altLang="ja-JP" dirty="0"/>
+              <a:t>URL</a:t>
+            </a:r>
+            <a:r>
+              <a:rPr lang="ja-JP" altLang="en-US" dirty="0"/>
+              <a:t>を一度テキストエディタなどにコピーし、正しい</a:t>
+            </a:r>
+            <a:r>
+              <a:rPr lang="en-US" altLang="ja-JP" dirty="0"/>
+              <a:t>URL</a:t>
+            </a:r>
+            <a:r>
+              <a:rPr lang="ja-JP" altLang="en-US" dirty="0"/>
+              <a:t>を入力すると安全です。</a:t>
+            </a:r>
+            <a:endParaRPr lang="en-US" altLang="ja-JP" sz="2800" dirty="0">
+              <a:latin typeface="UD デジタル 教科書体 N-R" panose="02020400000000000000" pitchFamily="17" charset="-128"/>
+              <a:ea typeface="UD デジタル 教科書体 N-R" panose="02020400000000000000" pitchFamily="17" charset="-128"/>
+            </a:endParaRPr>
+          </a:p>
+        </p:txBody>
+      </p:sp>
+      <p:pic>
+        <p:nvPicPr>
+          <p:cNvPr id="7" name="図 6">
+            <a:extLst>
+              <a:ext uri="{FF2B5EF4-FFF2-40B4-BE49-F238E27FC236}">
+                <a16:creationId xmlns:a16="http://schemas.microsoft.com/office/drawing/2014/main" id="{1823A303-8B3E-AB8F-3636-C8B472B142A5}"/>
+              </a:ext>
+            </a:extLst>
+          </p:cNvPr>
+          <p:cNvPicPr>
+            <a:picLocks noChangeAspect="1"/>
+          </p:cNvPicPr>
+          <p:nvPr/>
+        </p:nvPicPr>
+        <p:blipFill>
+          <a:blip r:embed="rId3"/>
+          <a:stretch>
+            <a:fillRect/>
+          </a:stretch>
+        </p:blipFill>
+        <p:spPr>
+          <a:xfrm>
+            <a:off x="1085150" y="1770786"/>
+            <a:ext cx="10021699" cy="2162477"/>
+          </a:xfrm>
+          <a:prstGeom prst="rect">
+            <a:avLst/>
+          </a:prstGeom>
+          <a:solidFill>
+            <a:srgbClr val="FFFFFF">
+              <a:shade val="85000"/>
+            </a:srgbClr>
+          </a:solidFill>
+          <a:ln w="88900" cap="sq">
             <a:solidFill>
-              <a:srgbClr val="FF0000"/>
+              <a:srgbClr val="FFFFFF"/>
             </a:solidFill>
+            <a:miter lim="800000"/>
           </a:ln>
+          <a:effectLst>
+            <a:outerShdw blurRad="55000" dist="18000" dir="5400000" algn="tl" rotWithShape="0">
+              <a:srgbClr val="000000">
+                <a:alpha val="40000"/>
+              </a:srgbClr>
+            </a:outerShdw>
+          </a:effectLst>
+          <a:scene3d>
+            <a:camera prst="orthographicFront"/>
+            <a:lightRig rig="twoPt" dir="t">
+              <a:rot lat="0" lon="0" rev="7200000"/>
+            </a:lightRig>
+          </a:scene3d>
+          <a:sp3d>
+            <a:bevelT w="25400" h="19050"/>
+            <a:contourClr>
+              <a:srgbClr val="FFFFFF"/>
+            </a:contourClr>
+          </a:sp3d>
         </p:spPr>
-        <p:style>
-          <a:lnRef idx="2">
-            <a:schemeClr val="accent1">
-              <a:shade val="50000"/>
-            </a:schemeClr>
-          </a:lnRef>
-          <a:fillRef idx="1">
-            <a:schemeClr val="accent1"/>
-          </a:fillRef>
-          <a:effectRef idx="0">
-            <a:schemeClr val="accent1"/>
-          </a:effectRef>
-          <a:fontRef idx="minor">
-            <a:schemeClr val="lt1"/>
-          </a:fontRef>
-        </p:style>
-        <p:txBody>
-          <a:bodyPr rtlCol="0" anchor="ctr"/>
-          <a:lstStyle/>
-          <a:p>
-            <a:pPr algn="ctr"/>
-            <a:endParaRPr kumimoji="1" lang="ja-JP" altLang="en-US"/>
-          </a:p>
-        </p:txBody>
-      </p:sp>
+      </p:pic>
     </p:spTree>
     <p:extLst>
       <p:ext uri="{BB962C8B-B14F-4D97-AF65-F5344CB8AC3E}">
-        <p14:creationId xmlns:p14="http://schemas.microsoft.com/office/powerpoint/2010/main" val="2036728339"/>
+        <p14:creationId xmlns:p14="http://schemas.microsoft.com/office/powerpoint/2010/main" val="522418064"/>
       </p:ext>
     </p:extLst>
   </p:cSld>
@@ -5778,10 +5892,10 @@
       </p:grpSpPr>
       <p:pic>
         <p:nvPicPr>
-          <p:cNvPr id="15" name="図 14">
+          <p:cNvPr id="11" name="図 10">
             <a:extLst>
               <a:ext uri="{FF2B5EF4-FFF2-40B4-BE49-F238E27FC236}">
-                <a16:creationId xmlns:a16="http://schemas.microsoft.com/office/drawing/2014/main" id="{FCEF617E-BBE5-4CCF-D922-3D86AE3C663E}"/>
+                <a16:creationId xmlns:a16="http://schemas.microsoft.com/office/drawing/2014/main" id="{6B1B5909-03BD-4E3F-320A-A89554BEDE57}"/>
               </a:ext>
             </a:extLst>
           </p:cNvPr>
@@ -5790,19 +5904,50 @@
           </p:cNvPicPr>
           <p:nvPr/>
         </p:nvPicPr>
-        <p:blipFill rotWithShape="1">
+        <p:blipFill>
           <a:blip r:embed="rId3"/>
-          <a:srcRect b="69548"/>
-          <a:stretch/>
+          <a:stretch>
+            <a:fillRect/>
+          </a:stretch>
         </p:blipFill>
         <p:spPr>
           <a:xfrm>
-            <a:off x="605118" y="4688326"/>
-            <a:ext cx="3214485" cy="1487623"/>
+            <a:off x="358105" y="2007986"/>
+            <a:ext cx="11560956" cy="2315197"/>
           </a:xfrm>
           <a:prstGeom prst="rect">
             <a:avLst/>
           </a:prstGeom>
+          <a:solidFill>
+            <a:srgbClr val="FFFFFF">
+              <a:shade val="85000"/>
+            </a:srgbClr>
+          </a:solidFill>
+          <a:ln w="88900" cap="sq">
+            <a:solidFill>
+              <a:srgbClr val="FFFFFF"/>
+            </a:solidFill>
+            <a:miter lim="800000"/>
+          </a:ln>
+          <a:effectLst>
+            <a:outerShdw blurRad="55000" dist="18000" dir="5400000" algn="tl" rotWithShape="0">
+              <a:srgbClr val="000000">
+                <a:alpha val="40000"/>
+              </a:srgbClr>
+            </a:outerShdw>
+          </a:effectLst>
+          <a:scene3d>
+            <a:camera prst="orthographicFront"/>
+            <a:lightRig rig="twoPt" dir="t">
+              <a:rot lat="0" lon="0" rev="7200000"/>
+            </a:lightRig>
+          </a:scene3d>
+          <a:sp3d>
+            <a:bevelT w="25400" h="19050"/>
+            <a:contourClr>
+              <a:srgbClr val="FFFFFF"/>
+            </a:contourClr>
+          </a:sp3d>
         </p:spPr>
       </p:pic>
       <p:sp>
@@ -5829,14 +5974,55 @@
           <a:lstStyle/>
           <a:p>
             <a:r>
-              <a:rPr lang="en-US" altLang="ja-JP" dirty="0"/>
-              <a:t>IBMQ API token</a:t>
-            </a:r>
-            <a:r>
               <a:rPr lang="ja-JP" altLang="en-US" dirty="0"/>
-              <a:t>の設定</a:t>
+              <a:t>ハンズオン環境の起動</a:t>
             </a:r>
             <a:endParaRPr kumimoji="1" lang="ja-JP" altLang="en-US" dirty="0"/>
+          </a:p>
+        </p:txBody>
+      </p:sp>
+      <p:sp>
+        <p:nvSpPr>
+          <p:cNvPr id="3" name="コンテンツ プレースホルダー 2">
+            <a:extLst>
+              <a:ext uri="{FF2B5EF4-FFF2-40B4-BE49-F238E27FC236}">
+                <a16:creationId xmlns:a16="http://schemas.microsoft.com/office/drawing/2014/main" id="{7123A8B5-755B-6322-9B33-72BD4069BFEE}"/>
+              </a:ext>
+            </a:extLst>
+          </p:cNvPr>
+          <p:cNvSpPr>
+            <a:spLocks noGrp="1"/>
+          </p:cNvSpPr>
+          <p:nvPr>
+            <p:ph idx="1"/>
+          </p:nvPr>
+        </p:nvSpPr>
+        <p:spPr>
+          <a:xfrm>
+            <a:off x="605118" y="1257299"/>
+            <a:ext cx="11066930" cy="5351930"/>
+          </a:xfrm>
+        </p:spPr>
+        <p:txBody>
+          <a:bodyPr>
+            <a:normAutofit/>
+          </a:bodyPr>
+          <a:lstStyle/>
+          <a:p>
+            <a:pPr marL="0" indent="0">
+              <a:buNone/>
+            </a:pPr>
+            <a:r>
+              <a:rPr lang="ja-JP" altLang="en-US" dirty="0"/>
+              <a:t>教材が置いてある場所に移動</a:t>
+            </a:r>
+          </a:p>
+          <a:p>
+            <a:pPr marL="514350" indent="-514350">
+              <a:buFont typeface="+mj-lt"/>
+              <a:buAutoNum type="arabicPeriod"/>
+            </a:pPr>
+            <a:endParaRPr lang="ja-JP" altLang="en-US" dirty="0"/>
           </a:p>
         </p:txBody>
       </p:sp>
@@ -5856,12 +6042,7 @@
             <p:ph type="sldNum" sz="quarter" idx="12"/>
           </p:nvPr>
         </p:nvSpPr>
-        <p:spPr>
-          <a:xfrm>
-            <a:off x="9309869" y="6389198"/>
-            <a:ext cx="2743200" cy="365125"/>
-          </a:xfrm>
-        </p:spPr>
+        <p:spPr/>
         <p:txBody>
           <a:bodyPr/>
           <a:lstStyle/>
@@ -5890,7 +6071,7 @@
         </p:nvSpPr>
         <p:spPr>
           <a:xfrm>
-            <a:off x="9309869" y="6389198"/>
+            <a:off x="9309869" y="6363074"/>
             <a:ext cx="2743200" cy="365125"/>
           </a:xfrm>
           <a:prstGeom prst="rect">
@@ -6008,6 +6189,654 @@
       </p:sp>
       <p:sp>
         <p:nvSpPr>
+          <p:cNvPr id="8" name="コンテンツ プレースホルダー 2">
+            <a:extLst>
+              <a:ext uri="{FF2B5EF4-FFF2-40B4-BE49-F238E27FC236}">
+                <a16:creationId xmlns:a16="http://schemas.microsoft.com/office/drawing/2014/main" id="{B58D4754-00D1-86C0-1276-FB400EB5D7BB}"/>
+              </a:ext>
+            </a:extLst>
+          </p:cNvPr>
+          <p:cNvSpPr txBox="1">
+            <a:spLocks/>
+          </p:cNvSpPr>
+          <p:nvPr/>
+        </p:nvSpPr>
+        <p:spPr>
+          <a:xfrm>
+            <a:off x="224097" y="5831633"/>
+            <a:ext cx="11066929" cy="777596"/>
+          </a:xfrm>
+          <a:prstGeom prst="rect">
+            <a:avLst/>
+          </a:prstGeom>
+        </p:spPr>
+        <p:txBody>
+          <a:bodyPr vert="horz" lIns="91440" tIns="45720" rIns="91440" bIns="45720" rtlCol="0">
+            <a:normAutofit/>
+          </a:bodyPr>
+          <a:lstStyle>
+            <a:lvl1pPr marL="228600" indent="-228600" algn="l" defTabSz="914400" rtl="0" eaLnBrk="1" latinLnBrk="0" hangingPunct="1">
+              <a:lnSpc>
+                <a:spcPct val="90000"/>
+              </a:lnSpc>
+              <a:spcBef>
+                <a:spcPts val="1000"/>
+              </a:spcBef>
+              <a:buFont typeface="Arial" panose="020B0604020202020204" pitchFamily="34" charset="0"/>
+              <a:buChar char="•"/>
+              <a:defRPr kumimoji="1" sz="2800" kern="1200">
+                <a:solidFill>
+                  <a:schemeClr val="tx1"/>
+                </a:solidFill>
+                <a:latin typeface="UD デジタル 教科書体 N-R" panose="02020400000000000000" pitchFamily="17" charset="-128"/>
+                <a:ea typeface="UD デジタル 教科書体 N-R" panose="02020400000000000000" pitchFamily="17" charset="-128"/>
+                <a:cs typeface="+mn-cs"/>
+              </a:defRPr>
+            </a:lvl1pPr>
+            <a:lvl2pPr marL="685800" indent="-228600" algn="l" defTabSz="914400" rtl="0" eaLnBrk="1" latinLnBrk="0" hangingPunct="1">
+              <a:lnSpc>
+                <a:spcPct val="90000"/>
+              </a:lnSpc>
+              <a:spcBef>
+                <a:spcPts val="500"/>
+              </a:spcBef>
+              <a:buFont typeface="Arial" panose="020B0604020202020204" pitchFamily="34" charset="0"/>
+              <a:buChar char="•"/>
+              <a:defRPr kumimoji="1" sz="2400" kern="1200">
+                <a:solidFill>
+                  <a:schemeClr val="tx1"/>
+                </a:solidFill>
+                <a:latin typeface="UD デジタル 教科書体 N-R" panose="02020400000000000000" pitchFamily="17" charset="-128"/>
+                <a:ea typeface="UD デジタル 教科書体 N-R" panose="02020400000000000000" pitchFamily="17" charset="-128"/>
+                <a:cs typeface="+mn-cs"/>
+              </a:defRPr>
+            </a:lvl2pPr>
+            <a:lvl3pPr marL="1143000" indent="-228600" algn="l" defTabSz="914400" rtl="0" eaLnBrk="1" latinLnBrk="0" hangingPunct="1">
+              <a:lnSpc>
+                <a:spcPct val="90000"/>
+              </a:lnSpc>
+              <a:spcBef>
+                <a:spcPts val="500"/>
+              </a:spcBef>
+              <a:buFont typeface="Arial" panose="020B0604020202020204" pitchFamily="34" charset="0"/>
+              <a:buChar char="•"/>
+              <a:defRPr kumimoji="1" sz="2000" kern="1200">
+                <a:solidFill>
+                  <a:schemeClr val="tx1"/>
+                </a:solidFill>
+                <a:latin typeface="UD デジタル 教科書体 N-R" panose="02020400000000000000" pitchFamily="17" charset="-128"/>
+                <a:ea typeface="UD デジタル 教科書体 N-R" panose="02020400000000000000" pitchFamily="17" charset="-128"/>
+                <a:cs typeface="+mn-cs"/>
+              </a:defRPr>
+            </a:lvl3pPr>
+            <a:lvl4pPr marL="1600200" indent="-228600" algn="l" defTabSz="914400" rtl="0" eaLnBrk="1" latinLnBrk="0" hangingPunct="1">
+              <a:lnSpc>
+                <a:spcPct val="90000"/>
+              </a:lnSpc>
+              <a:spcBef>
+                <a:spcPts val="500"/>
+              </a:spcBef>
+              <a:buFont typeface="Arial" panose="020B0604020202020204" pitchFamily="34" charset="0"/>
+              <a:buChar char="•"/>
+              <a:defRPr kumimoji="1" sz="1800" kern="1200">
+                <a:solidFill>
+                  <a:schemeClr val="tx1"/>
+                </a:solidFill>
+                <a:latin typeface="UD デジタル 教科書体 N-R" panose="02020400000000000000" pitchFamily="17" charset="-128"/>
+                <a:ea typeface="UD デジタル 教科書体 N-R" panose="02020400000000000000" pitchFamily="17" charset="-128"/>
+                <a:cs typeface="+mn-cs"/>
+              </a:defRPr>
+            </a:lvl4pPr>
+            <a:lvl5pPr marL="2057400" indent="-228600" algn="l" defTabSz="914400" rtl="0" eaLnBrk="1" latinLnBrk="0" hangingPunct="1">
+              <a:lnSpc>
+                <a:spcPct val="90000"/>
+              </a:lnSpc>
+              <a:spcBef>
+                <a:spcPts val="500"/>
+              </a:spcBef>
+              <a:buFont typeface="Arial" panose="020B0604020202020204" pitchFamily="34" charset="0"/>
+              <a:buChar char="•"/>
+              <a:defRPr kumimoji="1" sz="1800" kern="1200">
+                <a:solidFill>
+                  <a:schemeClr val="tx1"/>
+                </a:solidFill>
+                <a:latin typeface="UD デジタル 教科書体 N-R" panose="02020400000000000000" pitchFamily="17" charset="-128"/>
+                <a:ea typeface="UD デジタル 教科書体 N-R" panose="02020400000000000000" pitchFamily="17" charset="-128"/>
+                <a:cs typeface="+mn-cs"/>
+              </a:defRPr>
+            </a:lvl5pPr>
+            <a:lvl6pPr marL="2514600" indent="-228600" algn="l" defTabSz="914400" rtl="0" eaLnBrk="1" latinLnBrk="0" hangingPunct="1">
+              <a:lnSpc>
+                <a:spcPct val="90000"/>
+              </a:lnSpc>
+              <a:spcBef>
+                <a:spcPts val="500"/>
+              </a:spcBef>
+              <a:buFont typeface="Arial" panose="020B0604020202020204" pitchFamily="34" charset="0"/>
+              <a:buChar char="•"/>
+              <a:defRPr kumimoji="1" sz="1800" kern="1200">
+                <a:solidFill>
+                  <a:schemeClr val="tx1"/>
+                </a:solidFill>
+                <a:latin typeface="+mn-lt"/>
+                <a:ea typeface="+mn-ea"/>
+                <a:cs typeface="+mn-cs"/>
+              </a:defRPr>
+            </a:lvl6pPr>
+            <a:lvl7pPr marL="2971800" indent="-228600" algn="l" defTabSz="914400" rtl="0" eaLnBrk="1" latinLnBrk="0" hangingPunct="1">
+              <a:lnSpc>
+                <a:spcPct val="90000"/>
+              </a:lnSpc>
+              <a:spcBef>
+                <a:spcPts val="500"/>
+              </a:spcBef>
+              <a:buFont typeface="Arial" panose="020B0604020202020204" pitchFamily="34" charset="0"/>
+              <a:buChar char="•"/>
+              <a:defRPr kumimoji="1" sz="1800" kern="1200">
+                <a:solidFill>
+                  <a:schemeClr val="tx1"/>
+                </a:solidFill>
+                <a:latin typeface="+mn-lt"/>
+                <a:ea typeface="+mn-ea"/>
+                <a:cs typeface="+mn-cs"/>
+              </a:defRPr>
+            </a:lvl7pPr>
+            <a:lvl8pPr marL="3429000" indent="-228600" algn="l" defTabSz="914400" rtl="0" eaLnBrk="1" latinLnBrk="0" hangingPunct="1">
+              <a:lnSpc>
+                <a:spcPct val="90000"/>
+              </a:lnSpc>
+              <a:spcBef>
+                <a:spcPts val="500"/>
+              </a:spcBef>
+              <a:buFont typeface="Arial" panose="020B0604020202020204" pitchFamily="34" charset="0"/>
+              <a:buChar char="•"/>
+              <a:defRPr kumimoji="1" sz="1800" kern="1200">
+                <a:solidFill>
+                  <a:schemeClr val="tx1"/>
+                </a:solidFill>
+                <a:latin typeface="+mn-lt"/>
+                <a:ea typeface="+mn-ea"/>
+                <a:cs typeface="+mn-cs"/>
+              </a:defRPr>
+            </a:lvl8pPr>
+            <a:lvl9pPr marL="3886200" indent="-228600" algn="l" defTabSz="914400" rtl="0" eaLnBrk="1" latinLnBrk="0" hangingPunct="1">
+              <a:lnSpc>
+                <a:spcPct val="90000"/>
+              </a:lnSpc>
+              <a:spcBef>
+                <a:spcPts val="500"/>
+              </a:spcBef>
+              <a:buFont typeface="Arial" panose="020B0604020202020204" pitchFamily="34" charset="0"/>
+              <a:buChar char="•"/>
+              <a:defRPr kumimoji="1" sz="1800" kern="1200">
+                <a:solidFill>
+                  <a:schemeClr val="tx1"/>
+                </a:solidFill>
+                <a:latin typeface="+mn-lt"/>
+                <a:ea typeface="+mn-ea"/>
+                <a:cs typeface="+mn-cs"/>
+              </a:defRPr>
+            </a:lvl9pPr>
+          </a:lstStyle>
+          <a:p>
+            <a:pPr marL="0" indent="0">
+              <a:buNone/>
+            </a:pPr>
+            <a:endParaRPr lang="ja-JP" altLang="en-US" dirty="0"/>
+          </a:p>
+        </p:txBody>
+      </p:sp>
+      <p:sp>
+        <p:nvSpPr>
+          <p:cNvPr id="9" name="正方形/長方形 8">
+            <a:extLst>
+              <a:ext uri="{FF2B5EF4-FFF2-40B4-BE49-F238E27FC236}">
+                <a16:creationId xmlns:a16="http://schemas.microsoft.com/office/drawing/2014/main" id="{8CDA02EE-F7FF-6484-2E69-02A1D2D7D27E}"/>
+              </a:ext>
+            </a:extLst>
+          </p:cNvPr>
+          <p:cNvSpPr/>
+          <p:nvPr/>
+        </p:nvSpPr>
+        <p:spPr>
+          <a:xfrm>
+            <a:off x="725625" y="3276234"/>
+            <a:ext cx="3216059" cy="336978"/>
+          </a:xfrm>
+          <a:prstGeom prst="rect">
+            <a:avLst/>
+          </a:prstGeom>
+          <a:noFill/>
+          <a:ln w="63500">
+            <a:solidFill>
+              <a:srgbClr val="FF0000"/>
+            </a:solidFill>
+          </a:ln>
+        </p:spPr>
+        <p:style>
+          <a:lnRef idx="2">
+            <a:schemeClr val="accent1">
+              <a:shade val="50000"/>
+            </a:schemeClr>
+          </a:lnRef>
+          <a:fillRef idx="1">
+            <a:schemeClr val="accent1"/>
+          </a:fillRef>
+          <a:effectRef idx="0">
+            <a:schemeClr val="accent1"/>
+          </a:effectRef>
+          <a:fontRef idx="minor">
+            <a:schemeClr val="lt1"/>
+          </a:fontRef>
+        </p:style>
+        <p:txBody>
+          <a:bodyPr rtlCol="0" anchor="ctr"/>
+          <a:lstStyle/>
+          <a:p>
+            <a:pPr algn="ctr"/>
+            <a:endParaRPr kumimoji="1" lang="ja-JP" altLang="en-US"/>
+          </a:p>
+        </p:txBody>
+      </p:sp>
+      <p:sp>
+        <p:nvSpPr>
+          <p:cNvPr id="10" name="テキスト ボックス 9">
+            <a:extLst>
+              <a:ext uri="{FF2B5EF4-FFF2-40B4-BE49-F238E27FC236}">
+                <a16:creationId xmlns:a16="http://schemas.microsoft.com/office/drawing/2014/main" id="{2B5778CC-E617-0B2E-F930-A11420E80628}"/>
+              </a:ext>
+            </a:extLst>
+          </p:cNvPr>
+          <p:cNvSpPr txBox="1"/>
+          <p:nvPr/>
+        </p:nvSpPr>
+        <p:spPr>
+          <a:xfrm>
+            <a:off x="725625" y="4721526"/>
+            <a:ext cx="7306418" cy="830997"/>
+          </a:xfrm>
+          <a:prstGeom prst="rect">
+            <a:avLst/>
+          </a:prstGeom>
+          <a:solidFill>
+            <a:schemeClr val="accent4">
+              <a:lumMod val="20000"/>
+              <a:lumOff val="80000"/>
+            </a:schemeClr>
+          </a:solidFill>
+          <a:ln w="12700">
+            <a:solidFill>
+              <a:schemeClr val="tx1"/>
+            </a:solidFill>
+          </a:ln>
+        </p:spPr>
+        <p:txBody>
+          <a:bodyPr wrap="square" rtlCol="0" anchor="ctr" anchorCtr="0">
+            <a:spAutoFit/>
+          </a:bodyPr>
+          <a:lstStyle/>
+          <a:p>
+            <a:pPr marL="0" indent="0">
+              <a:buNone/>
+            </a:pPr>
+            <a:r>
+              <a:rPr lang="ja-JP" altLang="en-US" sz="2400" dirty="0">
+                <a:latin typeface="UD デジタル 教科書体 N-R" panose="02020400000000000000" pitchFamily="17" charset="-128"/>
+                <a:ea typeface="UD デジタル 教科書体 N-R" panose="02020400000000000000" pitchFamily="17" charset="-128"/>
+              </a:rPr>
+              <a:t>ファイルブラウザで移動</a:t>
+            </a:r>
+            <a:br>
+              <a:rPr lang="ja-JP" altLang="en-US" sz="2400" dirty="0">
+                <a:latin typeface="UD デジタル 教科書体 N-R" panose="02020400000000000000" pitchFamily="17" charset="-128"/>
+                <a:ea typeface="UD デジタル 教科書体 N-R" panose="02020400000000000000" pitchFamily="17" charset="-128"/>
+              </a:rPr>
+            </a:br>
+            <a:r>
+              <a:rPr lang="en-US" altLang="ja-JP" sz="2400" dirty="0"/>
+              <a:t>QSRH-</a:t>
+            </a:r>
+            <a:r>
+              <a:rPr lang="en-US" altLang="ja-JP" sz="2400" dirty="0" err="1"/>
+              <a:t>Quantinuum</a:t>
+            </a:r>
+            <a:r>
+              <a:rPr lang="en-US" altLang="ja-JP" sz="2400" dirty="0"/>
+              <a:t> &gt; 2022 &gt; 2022-08-19QSRH</a:t>
+            </a:r>
+            <a:endParaRPr lang="ja-JP" altLang="en-US" sz="2400" dirty="0"/>
+          </a:p>
+        </p:txBody>
+      </p:sp>
+    </p:spTree>
+    <p:extLst>
+      <p:ext uri="{BB962C8B-B14F-4D97-AF65-F5344CB8AC3E}">
+        <p14:creationId xmlns:p14="http://schemas.microsoft.com/office/powerpoint/2010/main" val="547355197"/>
+      </p:ext>
+    </p:extLst>
+  </p:cSld>
+  <p:clrMapOvr>
+    <a:masterClrMapping/>
+  </p:clrMapOvr>
+</p:sld>
+</file>
+
+<file path=ppt/slides/slide4.xml><?xml version="1.0" encoding="utf-8"?>
+<p:sld xmlns:a="http://schemas.openxmlformats.org/drawingml/2006/main" xmlns:r="http://schemas.openxmlformats.org/officeDocument/2006/relationships" xmlns:p="http://schemas.openxmlformats.org/presentationml/2006/main">
+  <p:cSld>
+    <p:spTree>
+      <p:nvGrpSpPr>
+        <p:cNvPr id="1" name=""/>
+        <p:cNvGrpSpPr/>
+        <p:nvPr/>
+      </p:nvGrpSpPr>
+      <p:grpSpPr>
+        <a:xfrm>
+          <a:off x="0" y="0"/>
+          <a:ext cx="0" cy="0"/>
+          <a:chOff x="0" y="0"/>
+          <a:chExt cx="0" cy="0"/>
+        </a:xfrm>
+      </p:grpSpPr>
+      <p:pic>
+        <p:nvPicPr>
+          <p:cNvPr id="15" name="図 14">
+            <a:extLst>
+              <a:ext uri="{FF2B5EF4-FFF2-40B4-BE49-F238E27FC236}">
+                <a16:creationId xmlns:a16="http://schemas.microsoft.com/office/drawing/2014/main" id="{FCEF617E-BBE5-4CCF-D922-3D86AE3C663E}"/>
+              </a:ext>
+            </a:extLst>
+          </p:cNvPr>
+          <p:cNvPicPr>
+            <a:picLocks noChangeAspect="1"/>
+          </p:cNvPicPr>
+          <p:nvPr/>
+        </p:nvPicPr>
+        <p:blipFill>
+          <a:blip r:embed="rId3"/>
+          <a:stretch>
+            <a:fillRect/>
+          </a:stretch>
+        </p:blipFill>
+        <p:spPr>
+          <a:xfrm>
+            <a:off x="1424055" y="1724094"/>
+            <a:ext cx="3214485" cy="4885135"/>
+          </a:xfrm>
+          <a:prstGeom prst="rect">
+            <a:avLst/>
+          </a:prstGeom>
+        </p:spPr>
+      </p:pic>
+      <p:pic>
+        <p:nvPicPr>
+          <p:cNvPr id="7" name="図 6">
+            <a:extLst>
+              <a:ext uri="{FF2B5EF4-FFF2-40B4-BE49-F238E27FC236}">
+                <a16:creationId xmlns:a16="http://schemas.microsoft.com/office/drawing/2014/main" id="{23154397-39A9-E43F-A63D-6AB5A33E2791}"/>
+              </a:ext>
+            </a:extLst>
+          </p:cNvPr>
+          <p:cNvPicPr>
+            <a:picLocks noChangeAspect="1"/>
+          </p:cNvPicPr>
+          <p:nvPr/>
+        </p:nvPicPr>
+        <p:blipFill>
+          <a:blip r:embed="rId4"/>
+          <a:stretch>
+            <a:fillRect/>
+          </a:stretch>
+        </p:blipFill>
+        <p:spPr>
+          <a:xfrm>
+            <a:off x="5964577" y="1415473"/>
+            <a:ext cx="5470260" cy="3711196"/>
+          </a:xfrm>
+          <a:prstGeom prst="rect">
+            <a:avLst/>
+          </a:prstGeom>
+        </p:spPr>
+      </p:pic>
+      <p:sp>
+        <p:nvSpPr>
+          <p:cNvPr id="2" name="タイトル 1">
+            <a:extLst>
+              <a:ext uri="{FF2B5EF4-FFF2-40B4-BE49-F238E27FC236}">
+                <a16:creationId xmlns:a16="http://schemas.microsoft.com/office/drawing/2014/main" id="{9378AB9F-5B81-3274-3707-84D05FE72333}"/>
+              </a:ext>
+            </a:extLst>
+          </p:cNvPr>
+          <p:cNvSpPr>
+            <a:spLocks noGrp="1"/>
+          </p:cNvSpPr>
+          <p:nvPr>
+            <p:ph type="title"/>
+          </p:nvPr>
+        </p:nvSpPr>
+        <p:spPr/>
+        <p:txBody>
+          <a:bodyPr>
+            <a:normAutofit fontScale="90000"/>
+          </a:bodyPr>
+          <a:lstStyle/>
+          <a:p>
+            <a:r>
+              <a:rPr lang="ja-JP" altLang="en-US" dirty="0"/>
+              <a:t>ハンズオン環境の起動</a:t>
+            </a:r>
+            <a:endParaRPr kumimoji="1" lang="ja-JP" altLang="en-US" dirty="0"/>
+          </a:p>
+        </p:txBody>
+      </p:sp>
+      <p:sp>
+        <p:nvSpPr>
+          <p:cNvPr id="3" name="コンテンツ プレースホルダー 2">
+            <a:extLst>
+              <a:ext uri="{FF2B5EF4-FFF2-40B4-BE49-F238E27FC236}">
+                <a16:creationId xmlns:a16="http://schemas.microsoft.com/office/drawing/2014/main" id="{7123A8B5-755B-6322-9B33-72BD4069BFEE}"/>
+              </a:ext>
+            </a:extLst>
+          </p:cNvPr>
+          <p:cNvSpPr>
+            <a:spLocks noGrp="1"/>
+          </p:cNvSpPr>
+          <p:nvPr>
+            <p:ph idx="1"/>
+          </p:nvPr>
+        </p:nvSpPr>
+        <p:spPr>
+          <a:xfrm>
+            <a:off x="605118" y="1257299"/>
+            <a:ext cx="11066930" cy="5351930"/>
+          </a:xfrm>
+        </p:spPr>
+        <p:txBody>
+          <a:bodyPr>
+            <a:normAutofit/>
+          </a:bodyPr>
+          <a:lstStyle/>
+          <a:p>
+            <a:pPr marL="0" indent="0">
+              <a:buNone/>
+            </a:pPr>
+            <a:r>
+              <a:rPr lang="ja-JP" altLang="en-US" dirty="0"/>
+              <a:t>開く教材をダブルクリック</a:t>
+            </a:r>
+          </a:p>
+          <a:p>
+            <a:pPr marL="514350" indent="-514350">
+              <a:buFont typeface="+mj-lt"/>
+              <a:buAutoNum type="arabicPeriod"/>
+            </a:pPr>
+            <a:endParaRPr lang="ja-JP" altLang="en-US" dirty="0"/>
+          </a:p>
+        </p:txBody>
+      </p:sp>
+      <p:sp>
+        <p:nvSpPr>
+          <p:cNvPr id="4" name="スライド番号プレースホルダー 3">
+            <a:extLst>
+              <a:ext uri="{FF2B5EF4-FFF2-40B4-BE49-F238E27FC236}">
+                <a16:creationId xmlns:a16="http://schemas.microsoft.com/office/drawing/2014/main" id="{50EE2811-F2E6-FFB2-E55F-877BB8AEB3E5}"/>
+              </a:ext>
+            </a:extLst>
+          </p:cNvPr>
+          <p:cNvSpPr>
+            <a:spLocks noGrp="1"/>
+          </p:cNvSpPr>
+          <p:nvPr>
+            <p:ph type="sldNum" sz="quarter" idx="12"/>
+          </p:nvPr>
+        </p:nvSpPr>
+        <p:spPr/>
+        <p:txBody>
+          <a:bodyPr/>
+          <a:lstStyle/>
+          <a:p>
+            <a:fld id="{006993F5-0F1B-42F5-BE3D-E563D12F98CE}" type="slidenum">
+              <a:rPr kumimoji="1" lang="ja-JP" altLang="en-US" smtClean="0"/>
+              <a:t>4</a:t>
+            </a:fld>
+            <a:endParaRPr kumimoji="1" lang="ja-JP" altLang="en-US" dirty="0"/>
+          </a:p>
+        </p:txBody>
+      </p:sp>
+      <p:sp>
+        <p:nvSpPr>
+          <p:cNvPr id="5" name="スライド番号プレースホルダー 3">
+            <a:extLst>
+              <a:ext uri="{FF2B5EF4-FFF2-40B4-BE49-F238E27FC236}">
+                <a16:creationId xmlns:a16="http://schemas.microsoft.com/office/drawing/2014/main" id="{9B015B4D-5435-20F9-71F8-1E2B3477B0B4}"/>
+              </a:ext>
+            </a:extLst>
+          </p:cNvPr>
+          <p:cNvSpPr txBox="1">
+            <a:spLocks/>
+          </p:cNvSpPr>
+          <p:nvPr/>
+        </p:nvSpPr>
+        <p:spPr>
+          <a:xfrm>
+            <a:off x="9309869" y="6363074"/>
+            <a:ext cx="2743200" cy="365125"/>
+          </a:xfrm>
+          <a:prstGeom prst="rect">
+            <a:avLst/>
+          </a:prstGeom>
+        </p:spPr>
+        <p:txBody>
+          <a:bodyPr vert="horz" lIns="91440" tIns="45720" rIns="91440" bIns="45720" rtlCol="0" anchor="ctr"/>
+          <a:lstStyle>
+            <a:defPPr>
+              <a:defRPr lang="en-US"/>
+            </a:defPPr>
+            <a:lvl1pPr marL="0" algn="r" defTabSz="457200" rtl="0" eaLnBrk="1" latinLnBrk="0" hangingPunct="1">
+              <a:defRPr sz="1200" kern="1200">
+                <a:solidFill>
+                  <a:schemeClr val="tx1">
+                    <a:tint val="75000"/>
+                  </a:schemeClr>
+                </a:solidFill>
+                <a:latin typeface="+mn-lt"/>
+                <a:ea typeface="+mn-ea"/>
+                <a:cs typeface="+mn-cs"/>
+              </a:defRPr>
+            </a:lvl1pPr>
+            <a:lvl2pPr marL="457200" algn="l" defTabSz="457200" rtl="0" eaLnBrk="1" latinLnBrk="0" hangingPunct="1">
+              <a:defRPr sz="1800" kern="1200">
+                <a:solidFill>
+                  <a:schemeClr val="tx1"/>
+                </a:solidFill>
+                <a:latin typeface="+mn-lt"/>
+                <a:ea typeface="+mn-ea"/>
+                <a:cs typeface="+mn-cs"/>
+              </a:defRPr>
+            </a:lvl2pPr>
+            <a:lvl3pPr marL="914400" algn="l" defTabSz="457200" rtl="0" eaLnBrk="1" latinLnBrk="0" hangingPunct="1">
+              <a:defRPr sz="1800" kern="1200">
+                <a:solidFill>
+                  <a:schemeClr val="tx1"/>
+                </a:solidFill>
+                <a:latin typeface="+mn-lt"/>
+                <a:ea typeface="+mn-ea"/>
+                <a:cs typeface="+mn-cs"/>
+              </a:defRPr>
+            </a:lvl3pPr>
+            <a:lvl4pPr marL="1371600" algn="l" defTabSz="457200" rtl="0" eaLnBrk="1" latinLnBrk="0" hangingPunct="1">
+              <a:defRPr sz="1800" kern="1200">
+                <a:solidFill>
+                  <a:schemeClr val="tx1"/>
+                </a:solidFill>
+                <a:latin typeface="+mn-lt"/>
+                <a:ea typeface="+mn-ea"/>
+                <a:cs typeface="+mn-cs"/>
+              </a:defRPr>
+            </a:lvl4pPr>
+            <a:lvl5pPr marL="1828800" algn="l" defTabSz="457200" rtl="0" eaLnBrk="1" latinLnBrk="0" hangingPunct="1">
+              <a:defRPr sz="1800" kern="1200">
+                <a:solidFill>
+                  <a:schemeClr val="tx1"/>
+                </a:solidFill>
+                <a:latin typeface="+mn-lt"/>
+                <a:ea typeface="+mn-ea"/>
+                <a:cs typeface="+mn-cs"/>
+              </a:defRPr>
+            </a:lvl5pPr>
+            <a:lvl6pPr marL="2286000" algn="l" defTabSz="457200" rtl="0" eaLnBrk="1" latinLnBrk="0" hangingPunct="1">
+              <a:defRPr sz="1800" kern="1200">
+                <a:solidFill>
+                  <a:schemeClr val="tx1"/>
+                </a:solidFill>
+                <a:latin typeface="+mn-lt"/>
+                <a:ea typeface="+mn-ea"/>
+                <a:cs typeface="+mn-cs"/>
+              </a:defRPr>
+            </a:lvl6pPr>
+            <a:lvl7pPr marL="2743200" algn="l" defTabSz="457200" rtl="0" eaLnBrk="1" latinLnBrk="0" hangingPunct="1">
+              <a:defRPr sz="1800" kern="1200">
+                <a:solidFill>
+                  <a:schemeClr val="tx1"/>
+                </a:solidFill>
+                <a:latin typeface="+mn-lt"/>
+                <a:ea typeface="+mn-ea"/>
+                <a:cs typeface="+mn-cs"/>
+              </a:defRPr>
+            </a:lvl7pPr>
+            <a:lvl8pPr marL="3200400" algn="l" defTabSz="457200" rtl="0" eaLnBrk="1" latinLnBrk="0" hangingPunct="1">
+              <a:defRPr sz="1800" kern="1200">
+                <a:solidFill>
+                  <a:schemeClr val="tx1"/>
+                </a:solidFill>
+                <a:latin typeface="+mn-lt"/>
+                <a:ea typeface="+mn-ea"/>
+                <a:cs typeface="+mn-cs"/>
+              </a:defRPr>
+            </a:lvl8pPr>
+            <a:lvl9pPr marL="3657600" algn="l" defTabSz="457200" rtl="0" eaLnBrk="1" latinLnBrk="0" hangingPunct="1">
+              <a:defRPr sz="1800" kern="1200">
+                <a:solidFill>
+                  <a:schemeClr val="tx1"/>
+                </a:solidFill>
+                <a:latin typeface="+mn-lt"/>
+                <a:ea typeface="+mn-ea"/>
+                <a:cs typeface="+mn-cs"/>
+              </a:defRPr>
+            </a:lvl9pPr>
+          </a:lstStyle>
+          <a:p>
+            <a:fld id="{006993F5-0F1B-42F5-BE3D-E563D12F98CE}" type="slidenum">
+              <a:rPr kumimoji="1" lang="ja-JP" altLang="en-US" smtClean="0"/>
+              <a:pPr/>
+              <a:t>4</a:t>
+            </a:fld>
+            <a:endParaRPr kumimoji="1" lang="ja-JP" altLang="en-US" dirty="0"/>
+          </a:p>
+        </p:txBody>
+      </p:sp>
+      <p:sp>
+        <p:nvSpPr>
           <p:cNvPr id="8" name="正方形/長方形 7">
             <a:extLst>
               <a:ext uri="{FF2B5EF4-FFF2-40B4-BE49-F238E27FC236}">
@@ -6020,7 +6849,529 @@
         </p:nvSpPr>
         <p:spPr>
           <a:xfrm>
-            <a:off x="774863" y="5247958"/>
+            <a:off x="1562069" y="2546413"/>
+            <a:ext cx="3076471" cy="442087"/>
+          </a:xfrm>
+          <a:prstGeom prst="rect">
+            <a:avLst/>
+          </a:prstGeom>
+          <a:noFill/>
+          <a:ln w="63500">
+            <a:solidFill>
+              <a:srgbClr val="FF0000"/>
+            </a:solidFill>
+          </a:ln>
+        </p:spPr>
+        <p:style>
+          <a:lnRef idx="2">
+            <a:schemeClr val="accent1">
+              <a:shade val="50000"/>
+            </a:schemeClr>
+          </a:lnRef>
+          <a:fillRef idx="1">
+            <a:schemeClr val="accent1"/>
+          </a:fillRef>
+          <a:effectRef idx="0">
+            <a:schemeClr val="accent1"/>
+          </a:effectRef>
+          <a:fontRef idx="minor">
+            <a:schemeClr val="lt1"/>
+          </a:fontRef>
+        </p:style>
+        <p:txBody>
+          <a:bodyPr rtlCol="0" anchor="ctr"/>
+          <a:lstStyle/>
+          <a:p>
+            <a:pPr algn="ctr"/>
+            <a:endParaRPr kumimoji="1" lang="ja-JP" altLang="en-US"/>
+          </a:p>
+        </p:txBody>
+      </p:sp>
+      <p:sp>
+        <p:nvSpPr>
+          <p:cNvPr id="10" name="矢印: 右 9">
+            <a:extLst>
+              <a:ext uri="{FF2B5EF4-FFF2-40B4-BE49-F238E27FC236}">
+                <a16:creationId xmlns:a16="http://schemas.microsoft.com/office/drawing/2014/main" id="{4A572C94-37B9-7D19-E393-A5868A9AACF3}"/>
+              </a:ext>
+            </a:extLst>
+          </p:cNvPr>
+          <p:cNvSpPr/>
+          <p:nvPr/>
+        </p:nvSpPr>
+        <p:spPr>
+          <a:xfrm>
+            <a:off x="4848288" y="2617796"/>
+            <a:ext cx="1005738" cy="741409"/>
+          </a:xfrm>
+          <a:prstGeom prst="rightArrow">
+            <a:avLst/>
+          </a:prstGeom>
+        </p:spPr>
+        <p:style>
+          <a:lnRef idx="1">
+            <a:schemeClr val="accent2"/>
+          </a:lnRef>
+          <a:fillRef idx="3">
+            <a:schemeClr val="accent2"/>
+          </a:fillRef>
+          <a:effectRef idx="2">
+            <a:schemeClr val="accent2"/>
+          </a:effectRef>
+          <a:fontRef idx="minor">
+            <a:schemeClr val="lt1"/>
+          </a:fontRef>
+        </p:style>
+        <p:txBody>
+          <a:bodyPr rtlCol="0" anchor="ctr"/>
+          <a:lstStyle/>
+          <a:p>
+            <a:pPr algn="ctr"/>
+            <a:endParaRPr kumimoji="1" lang="ja-JP" altLang="en-US"/>
+          </a:p>
+        </p:txBody>
+      </p:sp>
+      <p:sp>
+        <p:nvSpPr>
+          <p:cNvPr id="12" name="テキスト ボックス 11">
+            <a:extLst>
+              <a:ext uri="{FF2B5EF4-FFF2-40B4-BE49-F238E27FC236}">
+                <a16:creationId xmlns:a16="http://schemas.microsoft.com/office/drawing/2014/main" id="{AB182E14-264A-CAB6-990A-A7CD3F3177D5}"/>
+              </a:ext>
+            </a:extLst>
+          </p:cNvPr>
+          <p:cNvSpPr txBox="1"/>
+          <p:nvPr/>
+        </p:nvSpPr>
+        <p:spPr>
+          <a:xfrm>
+            <a:off x="5696797" y="5585905"/>
+            <a:ext cx="5975251" cy="830997"/>
+          </a:xfrm>
+          <a:prstGeom prst="rect">
+            <a:avLst/>
+          </a:prstGeom>
+          <a:solidFill>
+            <a:schemeClr val="accent4">
+              <a:lumMod val="20000"/>
+              <a:lumOff val="80000"/>
+            </a:schemeClr>
+          </a:solidFill>
+          <a:ln w="12700">
+            <a:solidFill>
+              <a:schemeClr val="tx1"/>
+            </a:solidFill>
+          </a:ln>
+        </p:spPr>
+        <p:txBody>
+          <a:bodyPr wrap="square" rtlCol="0" anchor="ctr" anchorCtr="0">
+            <a:spAutoFit/>
+          </a:bodyPr>
+          <a:lstStyle/>
+          <a:p>
+            <a:pPr marL="0" indent="0">
+              <a:buNone/>
+            </a:pPr>
+            <a:r>
+              <a:rPr lang="en-US" altLang="ja-JP" sz="2400" dirty="0" err="1">
+                <a:latin typeface="UD デジタル 教科書体 N-R" panose="02020400000000000000" pitchFamily="17" charset="-128"/>
+                <a:ea typeface="UD デジタル 教科書体 N-R" panose="02020400000000000000" pitchFamily="17" charset="-128"/>
+              </a:rPr>
+              <a:t>PyTorch</a:t>
+            </a:r>
+            <a:r>
+              <a:rPr lang="en-US" altLang="ja-JP" sz="2400" dirty="0">
+                <a:latin typeface="UD デジタル 教科書体 N-R" panose="02020400000000000000" pitchFamily="17" charset="-128"/>
+                <a:ea typeface="UD デジタル 教科書体 N-R" panose="02020400000000000000" pitchFamily="17" charset="-128"/>
+              </a:rPr>
+              <a:t> 1.10 </a:t>
+            </a:r>
+            <a:r>
+              <a:rPr lang="en-US" altLang="ja-JP" sz="2400" dirty="0">
+                <a:solidFill>
+                  <a:srgbClr val="FF0000"/>
+                </a:solidFill>
+                <a:latin typeface="UD デジタル 教科書体 N-R" panose="02020400000000000000" pitchFamily="17" charset="-128"/>
+                <a:ea typeface="UD デジタル 教科書体 N-R" panose="02020400000000000000" pitchFamily="17" charset="-128"/>
+              </a:rPr>
+              <a:t>Python 3.8 </a:t>
+            </a:r>
+            <a:r>
+              <a:rPr lang="en-US" altLang="ja-JP" sz="2400" dirty="0">
+                <a:latin typeface="UD デジタル 教科書体 N-R" panose="02020400000000000000" pitchFamily="17" charset="-128"/>
+                <a:ea typeface="UD デジタル 教科書体 N-R" panose="02020400000000000000" pitchFamily="17" charset="-128"/>
+              </a:rPr>
+              <a:t>CPU Optimized</a:t>
+            </a:r>
+            <a:r>
+              <a:rPr lang="ja-JP" altLang="en-US" sz="2400" dirty="0">
+                <a:latin typeface="UD デジタル 教科書体 N-R" panose="02020400000000000000" pitchFamily="17" charset="-128"/>
+                <a:ea typeface="UD デジタル 教科書体 N-R" panose="02020400000000000000" pitchFamily="17" charset="-128"/>
+              </a:rPr>
+              <a:t>の</a:t>
+            </a:r>
+            <a:r>
+              <a:rPr lang="en-US" altLang="ja-JP" sz="2400" dirty="0">
+                <a:latin typeface="UD デジタル 教科書体 N-R" panose="02020400000000000000" pitchFamily="17" charset="-128"/>
+                <a:ea typeface="UD デジタル 教科書体 N-R" panose="02020400000000000000" pitchFamily="17" charset="-128"/>
+              </a:rPr>
+              <a:t>Image</a:t>
+            </a:r>
+            <a:r>
+              <a:rPr lang="ja-JP" altLang="en-US" sz="2400" dirty="0">
+                <a:latin typeface="UD デジタル 教科書体 N-R" panose="02020400000000000000" pitchFamily="17" charset="-128"/>
+                <a:ea typeface="UD デジタル 教科書体 N-R" panose="02020400000000000000" pitchFamily="17" charset="-128"/>
+              </a:rPr>
+              <a:t>を選択し「</a:t>
+            </a:r>
+            <a:r>
+              <a:rPr lang="en-US" altLang="ja-JP" sz="2400" dirty="0">
+                <a:latin typeface="UD デジタル 教科書体 N-R" panose="02020400000000000000" pitchFamily="17" charset="-128"/>
+                <a:ea typeface="UD デジタル 教科書体 N-R" panose="02020400000000000000" pitchFamily="17" charset="-128"/>
+              </a:rPr>
+              <a:t>Select</a:t>
+            </a:r>
+            <a:r>
+              <a:rPr lang="ja-JP" altLang="en-US" sz="2400" dirty="0">
+                <a:latin typeface="UD デジタル 教科書体 N-R" panose="02020400000000000000" pitchFamily="17" charset="-128"/>
+                <a:ea typeface="UD デジタル 教科書体 N-R" panose="02020400000000000000" pitchFamily="17" charset="-128"/>
+              </a:rPr>
+              <a:t>」をクリック</a:t>
+            </a:r>
+            <a:endParaRPr lang="en-US" altLang="ja-JP" sz="2400" dirty="0">
+              <a:latin typeface="UD デジタル 教科書体 N-R" panose="02020400000000000000" pitchFamily="17" charset="-128"/>
+              <a:ea typeface="UD デジタル 教科書体 N-R" panose="02020400000000000000" pitchFamily="17" charset="-128"/>
+            </a:endParaRPr>
+          </a:p>
+        </p:txBody>
+      </p:sp>
+      <p:sp>
+        <p:nvSpPr>
+          <p:cNvPr id="13" name="正方形/長方形 12">
+            <a:extLst>
+              <a:ext uri="{FF2B5EF4-FFF2-40B4-BE49-F238E27FC236}">
+                <a16:creationId xmlns:a16="http://schemas.microsoft.com/office/drawing/2014/main" id="{647F19F0-D430-4841-3B41-6D2074FEDB93}"/>
+              </a:ext>
+            </a:extLst>
+          </p:cNvPr>
+          <p:cNvSpPr/>
+          <p:nvPr/>
+        </p:nvSpPr>
+        <p:spPr>
+          <a:xfrm>
+            <a:off x="8314509" y="3359205"/>
+            <a:ext cx="1299754" cy="447849"/>
+          </a:xfrm>
+          <a:prstGeom prst="rect">
+            <a:avLst/>
+          </a:prstGeom>
+          <a:noFill/>
+          <a:ln w="63500">
+            <a:solidFill>
+              <a:srgbClr val="FF0000"/>
+            </a:solidFill>
+          </a:ln>
+        </p:spPr>
+        <p:style>
+          <a:lnRef idx="2">
+            <a:schemeClr val="accent1">
+              <a:shade val="50000"/>
+            </a:schemeClr>
+          </a:lnRef>
+          <a:fillRef idx="1">
+            <a:schemeClr val="accent1"/>
+          </a:fillRef>
+          <a:effectRef idx="0">
+            <a:schemeClr val="accent1"/>
+          </a:effectRef>
+          <a:fontRef idx="minor">
+            <a:schemeClr val="lt1"/>
+          </a:fontRef>
+        </p:style>
+        <p:txBody>
+          <a:bodyPr rtlCol="0" anchor="ctr"/>
+          <a:lstStyle/>
+          <a:p>
+            <a:pPr algn="ctr"/>
+            <a:endParaRPr kumimoji="1" lang="ja-JP" altLang="en-US"/>
+          </a:p>
+        </p:txBody>
+      </p:sp>
+    </p:spTree>
+    <p:extLst>
+      <p:ext uri="{BB962C8B-B14F-4D97-AF65-F5344CB8AC3E}">
+        <p14:creationId xmlns:p14="http://schemas.microsoft.com/office/powerpoint/2010/main" val="2036728339"/>
+      </p:ext>
+    </p:extLst>
+  </p:cSld>
+  <p:clrMapOvr>
+    <a:masterClrMapping/>
+  </p:clrMapOvr>
+</p:sld>
+</file>
+
+<file path=ppt/slides/slide5.xml><?xml version="1.0" encoding="utf-8"?>
+<p:sld xmlns:a="http://schemas.openxmlformats.org/drawingml/2006/main" xmlns:r="http://schemas.openxmlformats.org/officeDocument/2006/relationships" xmlns:p="http://schemas.openxmlformats.org/presentationml/2006/main">
+  <p:cSld>
+    <p:spTree>
+      <p:nvGrpSpPr>
+        <p:cNvPr id="1" name=""/>
+        <p:cNvGrpSpPr/>
+        <p:nvPr/>
+      </p:nvGrpSpPr>
+      <p:grpSpPr>
+        <a:xfrm>
+          <a:off x="0" y="0"/>
+          <a:ext cx="0" cy="0"/>
+          <a:chOff x="0" y="0"/>
+          <a:chExt cx="0" cy="0"/>
+        </a:xfrm>
+      </p:grpSpPr>
+      <p:pic>
+        <p:nvPicPr>
+          <p:cNvPr id="15" name="図 14">
+            <a:extLst>
+              <a:ext uri="{FF2B5EF4-FFF2-40B4-BE49-F238E27FC236}">
+                <a16:creationId xmlns:a16="http://schemas.microsoft.com/office/drawing/2014/main" id="{FCEF617E-BBE5-4CCF-D922-3D86AE3C663E}"/>
+              </a:ext>
+            </a:extLst>
+          </p:cNvPr>
+          <p:cNvPicPr>
+            <a:picLocks noChangeAspect="1"/>
+          </p:cNvPicPr>
+          <p:nvPr/>
+        </p:nvPicPr>
+        <p:blipFill rotWithShape="1">
+          <a:blip r:embed="rId3"/>
+          <a:srcRect b="69548"/>
+          <a:stretch/>
+        </p:blipFill>
+        <p:spPr>
+          <a:xfrm>
+            <a:off x="605118" y="4999050"/>
+            <a:ext cx="3214485" cy="1487623"/>
+          </a:xfrm>
+          <a:prstGeom prst="rect">
+            <a:avLst/>
+          </a:prstGeom>
+        </p:spPr>
+      </p:pic>
+      <p:sp>
+        <p:nvSpPr>
+          <p:cNvPr id="2" name="タイトル 1">
+            <a:extLst>
+              <a:ext uri="{FF2B5EF4-FFF2-40B4-BE49-F238E27FC236}">
+                <a16:creationId xmlns:a16="http://schemas.microsoft.com/office/drawing/2014/main" id="{9378AB9F-5B81-3274-3707-84D05FE72333}"/>
+              </a:ext>
+            </a:extLst>
+          </p:cNvPr>
+          <p:cNvSpPr>
+            <a:spLocks noGrp="1"/>
+          </p:cNvSpPr>
+          <p:nvPr>
+            <p:ph type="title"/>
+          </p:nvPr>
+        </p:nvSpPr>
+        <p:spPr/>
+        <p:txBody>
+          <a:bodyPr>
+            <a:normAutofit fontScale="90000"/>
+          </a:bodyPr>
+          <a:lstStyle/>
+          <a:p>
+            <a:r>
+              <a:rPr lang="en-US" altLang="ja-JP" dirty="0"/>
+              <a:t>IBMQ API token</a:t>
+            </a:r>
+            <a:r>
+              <a:rPr lang="ja-JP" altLang="en-US" dirty="0"/>
+              <a:t>の設定</a:t>
+            </a:r>
+            <a:endParaRPr kumimoji="1" lang="ja-JP" altLang="en-US" dirty="0"/>
+          </a:p>
+        </p:txBody>
+      </p:sp>
+      <p:sp>
+        <p:nvSpPr>
+          <p:cNvPr id="4" name="スライド番号プレースホルダー 3">
+            <a:extLst>
+              <a:ext uri="{FF2B5EF4-FFF2-40B4-BE49-F238E27FC236}">
+                <a16:creationId xmlns:a16="http://schemas.microsoft.com/office/drawing/2014/main" id="{50EE2811-F2E6-FFB2-E55F-877BB8AEB3E5}"/>
+              </a:ext>
+            </a:extLst>
+          </p:cNvPr>
+          <p:cNvSpPr>
+            <a:spLocks noGrp="1"/>
+          </p:cNvSpPr>
+          <p:nvPr>
+            <p:ph type="sldNum" sz="quarter" idx="12"/>
+          </p:nvPr>
+        </p:nvSpPr>
+        <p:spPr>
+          <a:xfrm>
+            <a:off x="9309869" y="6389198"/>
+            <a:ext cx="2743200" cy="365125"/>
+          </a:xfrm>
+        </p:spPr>
+        <p:txBody>
+          <a:bodyPr/>
+          <a:lstStyle/>
+          <a:p>
+            <a:fld id="{006993F5-0F1B-42F5-BE3D-E563D12F98CE}" type="slidenum">
+              <a:rPr kumimoji="1" lang="ja-JP" altLang="en-US" smtClean="0"/>
+              <a:t>5</a:t>
+            </a:fld>
+            <a:endParaRPr kumimoji="1" lang="ja-JP" altLang="en-US" dirty="0"/>
+          </a:p>
+        </p:txBody>
+      </p:sp>
+      <p:sp>
+        <p:nvSpPr>
+          <p:cNvPr id="5" name="スライド番号プレースホルダー 3">
+            <a:extLst>
+              <a:ext uri="{FF2B5EF4-FFF2-40B4-BE49-F238E27FC236}">
+                <a16:creationId xmlns:a16="http://schemas.microsoft.com/office/drawing/2014/main" id="{9B015B4D-5435-20F9-71F8-1E2B3477B0B4}"/>
+              </a:ext>
+            </a:extLst>
+          </p:cNvPr>
+          <p:cNvSpPr txBox="1">
+            <a:spLocks/>
+          </p:cNvSpPr>
+          <p:nvPr/>
+        </p:nvSpPr>
+        <p:spPr>
+          <a:xfrm>
+            <a:off x="9309869" y="6389198"/>
+            <a:ext cx="2743200" cy="365125"/>
+          </a:xfrm>
+          <a:prstGeom prst="rect">
+            <a:avLst/>
+          </a:prstGeom>
+        </p:spPr>
+        <p:txBody>
+          <a:bodyPr vert="horz" lIns="91440" tIns="45720" rIns="91440" bIns="45720" rtlCol="0" anchor="ctr"/>
+          <a:lstStyle>
+            <a:defPPr>
+              <a:defRPr lang="en-US"/>
+            </a:defPPr>
+            <a:lvl1pPr marL="0" algn="r" defTabSz="457200" rtl="0" eaLnBrk="1" latinLnBrk="0" hangingPunct="1">
+              <a:defRPr sz="1200" kern="1200">
+                <a:solidFill>
+                  <a:schemeClr val="tx1">
+                    <a:tint val="75000"/>
+                  </a:schemeClr>
+                </a:solidFill>
+                <a:latin typeface="+mn-lt"/>
+                <a:ea typeface="+mn-ea"/>
+                <a:cs typeface="+mn-cs"/>
+              </a:defRPr>
+            </a:lvl1pPr>
+            <a:lvl2pPr marL="457200" algn="l" defTabSz="457200" rtl="0" eaLnBrk="1" latinLnBrk="0" hangingPunct="1">
+              <a:defRPr sz="1800" kern="1200">
+                <a:solidFill>
+                  <a:schemeClr val="tx1"/>
+                </a:solidFill>
+                <a:latin typeface="+mn-lt"/>
+                <a:ea typeface="+mn-ea"/>
+                <a:cs typeface="+mn-cs"/>
+              </a:defRPr>
+            </a:lvl2pPr>
+            <a:lvl3pPr marL="914400" algn="l" defTabSz="457200" rtl="0" eaLnBrk="1" latinLnBrk="0" hangingPunct="1">
+              <a:defRPr sz="1800" kern="1200">
+                <a:solidFill>
+                  <a:schemeClr val="tx1"/>
+                </a:solidFill>
+                <a:latin typeface="+mn-lt"/>
+                <a:ea typeface="+mn-ea"/>
+                <a:cs typeface="+mn-cs"/>
+              </a:defRPr>
+            </a:lvl3pPr>
+            <a:lvl4pPr marL="1371600" algn="l" defTabSz="457200" rtl="0" eaLnBrk="1" latinLnBrk="0" hangingPunct="1">
+              <a:defRPr sz="1800" kern="1200">
+                <a:solidFill>
+                  <a:schemeClr val="tx1"/>
+                </a:solidFill>
+                <a:latin typeface="+mn-lt"/>
+                <a:ea typeface="+mn-ea"/>
+                <a:cs typeface="+mn-cs"/>
+              </a:defRPr>
+            </a:lvl4pPr>
+            <a:lvl5pPr marL="1828800" algn="l" defTabSz="457200" rtl="0" eaLnBrk="1" latinLnBrk="0" hangingPunct="1">
+              <a:defRPr sz="1800" kern="1200">
+                <a:solidFill>
+                  <a:schemeClr val="tx1"/>
+                </a:solidFill>
+                <a:latin typeface="+mn-lt"/>
+                <a:ea typeface="+mn-ea"/>
+                <a:cs typeface="+mn-cs"/>
+              </a:defRPr>
+            </a:lvl5pPr>
+            <a:lvl6pPr marL="2286000" algn="l" defTabSz="457200" rtl="0" eaLnBrk="1" latinLnBrk="0" hangingPunct="1">
+              <a:defRPr sz="1800" kern="1200">
+                <a:solidFill>
+                  <a:schemeClr val="tx1"/>
+                </a:solidFill>
+                <a:latin typeface="+mn-lt"/>
+                <a:ea typeface="+mn-ea"/>
+                <a:cs typeface="+mn-cs"/>
+              </a:defRPr>
+            </a:lvl6pPr>
+            <a:lvl7pPr marL="2743200" algn="l" defTabSz="457200" rtl="0" eaLnBrk="1" latinLnBrk="0" hangingPunct="1">
+              <a:defRPr sz="1800" kern="1200">
+                <a:solidFill>
+                  <a:schemeClr val="tx1"/>
+                </a:solidFill>
+                <a:latin typeface="+mn-lt"/>
+                <a:ea typeface="+mn-ea"/>
+                <a:cs typeface="+mn-cs"/>
+              </a:defRPr>
+            </a:lvl7pPr>
+            <a:lvl8pPr marL="3200400" algn="l" defTabSz="457200" rtl="0" eaLnBrk="1" latinLnBrk="0" hangingPunct="1">
+              <a:defRPr sz="1800" kern="1200">
+                <a:solidFill>
+                  <a:schemeClr val="tx1"/>
+                </a:solidFill>
+                <a:latin typeface="+mn-lt"/>
+                <a:ea typeface="+mn-ea"/>
+                <a:cs typeface="+mn-cs"/>
+              </a:defRPr>
+            </a:lvl8pPr>
+            <a:lvl9pPr marL="3657600" algn="l" defTabSz="457200" rtl="0" eaLnBrk="1" latinLnBrk="0" hangingPunct="1">
+              <a:defRPr sz="1800" kern="1200">
+                <a:solidFill>
+                  <a:schemeClr val="tx1"/>
+                </a:solidFill>
+                <a:latin typeface="+mn-lt"/>
+                <a:ea typeface="+mn-ea"/>
+                <a:cs typeface="+mn-cs"/>
+              </a:defRPr>
+            </a:lvl9pPr>
+          </a:lstStyle>
+          <a:p>
+            <a:fld id="{006993F5-0F1B-42F5-BE3D-E563D12F98CE}" type="slidenum">
+              <a:rPr kumimoji="1" lang="ja-JP" altLang="en-US" smtClean="0"/>
+              <a:pPr/>
+              <a:t>5</a:t>
+            </a:fld>
+            <a:endParaRPr kumimoji="1" lang="ja-JP" altLang="en-US" dirty="0"/>
+          </a:p>
+        </p:txBody>
+      </p:sp>
+      <p:sp>
+        <p:nvSpPr>
+          <p:cNvPr id="8" name="正方形/長方形 7">
+            <a:extLst>
+              <a:ext uri="{FF2B5EF4-FFF2-40B4-BE49-F238E27FC236}">
+                <a16:creationId xmlns:a16="http://schemas.microsoft.com/office/drawing/2014/main" id="{A3D91B70-D19E-E078-C66F-761B1F3CFA4F}"/>
+              </a:ext>
+            </a:extLst>
+          </p:cNvPr>
+          <p:cNvSpPr/>
+          <p:nvPr/>
+        </p:nvSpPr>
+        <p:spPr>
+          <a:xfrm>
+            <a:off x="774863" y="5558682"/>
             <a:ext cx="1762475" cy="226246"/>
           </a:xfrm>
           <a:prstGeom prst="rect">
@@ -6072,7 +7423,7 @@
         </p:nvSpPr>
         <p:spPr>
           <a:xfrm>
-            <a:off x="4848288" y="2643920"/>
+            <a:off x="4848288" y="2954644"/>
             <a:ext cx="1005738" cy="741409"/>
           </a:xfrm>
           <a:prstGeom prst="rightArrow">
@@ -6116,8 +7467,8 @@
         </p:nvSpPr>
         <p:spPr>
           <a:xfrm>
-            <a:off x="605118" y="1210764"/>
-            <a:ext cx="7217228" cy="461665"/>
+            <a:off x="605117" y="1026098"/>
+            <a:ext cx="11066929" cy="830997"/>
           </a:xfrm>
           <a:prstGeom prst="rect">
             <a:avLst/>
@@ -6158,10 +7509,33 @@
               </a:rPr>
               <a:t>　にアクセス</a:t>
             </a:r>
-            <a:endParaRPr lang="en-US" altLang="ja-JP" sz="2400" dirty="0">
-              <a:latin typeface="UD デジタル 教科書体 N-R" panose="02020400000000000000" pitchFamily="17" charset="-128"/>
-              <a:ea typeface="UD デジタル 教科書体 N-R" panose="02020400000000000000" pitchFamily="17" charset="-128"/>
-            </a:endParaRPr>
+            <a:br>
+              <a:rPr lang="ja-JP" altLang="en-US" sz="2400" dirty="0">
+                <a:latin typeface="UD デジタル 教科書体 N-R" panose="02020400000000000000" pitchFamily="17" charset="-128"/>
+                <a:ea typeface="UD デジタル 教科書体 N-R" panose="02020400000000000000" pitchFamily="17" charset="-128"/>
+              </a:rPr>
+            </a:br>
+            <a:r>
+              <a:rPr lang="en-US" altLang="ja-JP" sz="2400" dirty="0">
+                <a:latin typeface="UD デジタル 教科書体 N-R" panose="02020400000000000000" pitchFamily="17" charset="-128"/>
+                <a:ea typeface="UD デジタル 教科書体 N-R" panose="02020400000000000000" pitchFamily="17" charset="-128"/>
+              </a:rPr>
+              <a:t>(</a:t>
+            </a:r>
+            <a:r>
+              <a:rPr lang="ja-JP" altLang="en-US" sz="2400" dirty="0">
+                <a:latin typeface="UD デジタル 教科書体 N-R" panose="02020400000000000000" pitchFamily="17" charset="-128"/>
+                <a:ea typeface="UD デジタル 教科書体 N-R" panose="02020400000000000000" pitchFamily="17" charset="-128"/>
+              </a:rPr>
+              <a:t>アカウントがなければ、各自が作成する必要があります。無料です</a:t>
+            </a:r>
+            <a:r>
+              <a:rPr lang="en-US" altLang="ja-JP" sz="2400" dirty="0">
+                <a:latin typeface="UD デジタル 教科書体 N-R" panose="02020400000000000000" pitchFamily="17" charset="-128"/>
+                <a:ea typeface="UD デジタル 教科書体 N-R" panose="02020400000000000000" pitchFamily="17" charset="-128"/>
+              </a:rPr>
+              <a:t>)</a:t>
+            </a:r>
           </a:p>
         </p:txBody>
       </p:sp>
@@ -6186,7 +7560,7 @@
         </p:blipFill>
         <p:spPr>
           <a:xfrm>
-            <a:off x="605119" y="1672429"/>
+            <a:off x="605119" y="1983153"/>
             <a:ext cx="4207098" cy="2070080"/>
           </a:xfrm>
           <a:prstGeom prst="rect">
@@ -6208,7 +7582,7 @@
         </p:nvSpPr>
         <p:spPr>
           <a:xfrm>
-            <a:off x="4471870" y="2991686"/>
+            <a:off x="4471870" y="3302410"/>
             <a:ext cx="327674" cy="358429"/>
           </a:xfrm>
           <a:prstGeom prst="rect">
@@ -6260,7 +7634,7 @@
         </p:nvSpPr>
         <p:spPr>
           <a:xfrm>
-            <a:off x="4355184" y="2530021"/>
+            <a:off x="4355184" y="2450123"/>
             <a:ext cx="4090770" cy="461665"/>
           </a:xfrm>
           <a:prstGeom prst="rect">
@@ -6329,7 +7703,7 @@
         </p:nvSpPr>
         <p:spPr>
           <a:xfrm>
-            <a:off x="605117" y="4205528"/>
+            <a:off x="605117" y="4516252"/>
             <a:ext cx="7297169" cy="461665"/>
           </a:xfrm>
           <a:prstGeom prst="rect">
@@ -6968,51 +8342,18 @@
 </file>
 
 <file path=customXml/item1.xml><?xml version="1.0" encoding="utf-8"?>
-<?mso-contentType ?>
-<FormTemplates xmlns="http://schemas.microsoft.com/sharepoint/v3/contenttype/forms">
-  <Display>DocumentLibraryForm</Display>
-  <Edit>DocumentLibraryForm</Edit>
-  <New>DocumentLibraryForm</New>
-</FormTemplates>
-</file>
-
-<file path=customXml/item2.xml><?xml version="1.0" encoding="utf-8"?>
-<p:properties xmlns:p="http://schemas.microsoft.com/office/2006/metadata/properties" xmlns:xsi="http://www.w3.org/2001/XMLSchema-instance" xmlns:pc="http://schemas.microsoft.com/office/infopath/2007/PartnerControls">
-  <documentManagement/>
-</p:properties>
-</file>
-
-<file path=customXml/item3.xml><?xml version="1.0" encoding="utf-8"?>
-<ct:contentTypeSchema xmlns:ct="http://schemas.microsoft.com/office/2006/metadata/contentType" xmlns:ma="http://schemas.microsoft.com/office/2006/metadata/properties/metaAttributes" ct:_="" ma:_="" ma:contentTypeName="ドキュメント" ma:contentTypeID="0x0101002456440F4AC49E4C87BE075C0905A27D" ma:contentTypeVersion="2" ma:contentTypeDescription="新しいドキュメントを作成します。" ma:contentTypeScope="" ma:versionID="268ab3979e97daf6bfaaa295df04ce88">
-  <xsd:schema xmlns:xsd="http://www.w3.org/2001/XMLSchema" xmlns:xs="http://www.w3.org/2001/XMLSchema" xmlns:p="http://schemas.microsoft.com/office/2006/metadata/properties" xmlns:ns2="5209a3f9-c62e-4902-b58f-96723e506468" targetNamespace="http://schemas.microsoft.com/office/2006/metadata/properties" ma:root="true" ma:fieldsID="39b7eec2ee4c85eb5ed9573bbca3f9ee" ns2:_="">
-    <xsd:import namespace="5209a3f9-c62e-4902-b58f-96723e506468"/>
+<ct:contentTypeSchema xmlns:ct="http://schemas.microsoft.com/office/2006/metadata/contentType" xmlns:ma="http://schemas.microsoft.com/office/2006/metadata/properties/metaAttributes" ct:_="" ma:_="" ma:contentTypeName="ドキュメント" ma:contentTypeID="0x010100C16BBCF02E3A224AB5EE1C96C80CE076" ma:contentTypeVersion="0" ma:contentTypeDescription="新しいドキュメントを作成します。" ma:contentTypeScope="" ma:versionID="5ed18b5e05a4e82bf6e29bbfe25af3cd">
+  <xsd:schema xmlns:xsd="http://www.w3.org/2001/XMLSchema" xmlns:xs="http://www.w3.org/2001/XMLSchema" xmlns:p="http://schemas.microsoft.com/office/2006/metadata/properties" targetNamespace="http://schemas.microsoft.com/office/2006/metadata/properties" ma:root="true" ma:fieldsID="e0135798cd70f6fd706697cf70302a5a">
     <xsd:element name="properties">
       <xsd:complexType>
         <xsd:sequence>
           <xsd:element name="documentManagement">
             <xsd:complexType>
-              <xsd:all>
-                <xsd:element ref="ns2:MediaServiceMetadata" minOccurs="0"/>
-                <xsd:element ref="ns2:MediaServiceFastMetadata" minOccurs="0"/>
-              </xsd:all>
+              <xsd:all/>
             </xsd:complexType>
           </xsd:element>
         </xsd:sequence>
       </xsd:complexType>
-    </xsd:element>
-  </xsd:schema>
-  <xsd:schema xmlns:xsd="http://www.w3.org/2001/XMLSchema" xmlns:xs="http://www.w3.org/2001/XMLSchema" xmlns:dms="http://schemas.microsoft.com/office/2006/documentManagement/types" xmlns:pc="http://schemas.microsoft.com/office/infopath/2007/PartnerControls" targetNamespace="5209a3f9-c62e-4902-b58f-96723e506468" elementFormDefault="qualified">
-    <xsd:import namespace="http://schemas.microsoft.com/office/2006/documentManagement/types"/>
-    <xsd:import namespace="http://schemas.microsoft.com/office/infopath/2007/PartnerControls"/>
-    <xsd:element name="MediaServiceMetadata" ma:index="8" nillable="true" ma:displayName="MediaServiceMetadata" ma:hidden="true" ma:internalName="MediaServiceMetadata" ma:readOnly="true">
-      <xsd:simpleType>
-        <xsd:restriction base="dms:Note"/>
-      </xsd:simpleType>
-    </xsd:element>
-    <xsd:element name="MediaServiceFastMetadata" ma:index="9" nillable="true" ma:displayName="MediaServiceFastMetadata" ma:hidden="true" ma:internalName="MediaServiceFastMetadata" ma:readOnly="true">
-      <xsd:simpleType>
-        <xsd:restriction base="dms:Note"/>
-      </xsd:simpleType>
     </xsd:element>
   </xsd:schema>
   <xsd:schema xmlns="http://schemas.openxmlformats.org/package/2006/metadata/core-properties" xmlns:xsd="http://www.w3.org/2001/XMLSchema" xmlns:xsi="http://www.w3.org/2001/XMLSchema-instance" xmlns:dc="http://purl.org/dc/elements/1.1/" xmlns:dcterms="http://purl.org/dc/terms/" xmlns:odoc="http://schemas.microsoft.com/internal/obd" targetNamespace="http://schemas.openxmlformats.org/package/2006/metadata/core-properties" elementFormDefault="qualified" attributeFormDefault="unqualified" blockDefault="#all">
@@ -7114,12 +8455,23 @@
 </ct:contentTypeSchema>
 </file>
 
+<file path=customXml/item2.xml><?xml version="1.0" encoding="utf-8"?>
+<p:properties xmlns:p="http://schemas.microsoft.com/office/2006/metadata/properties" xmlns:xsi="http://www.w3.org/2001/XMLSchema-instance" xmlns:pc="http://schemas.microsoft.com/office/infopath/2007/PartnerControls">
+  <documentManagement/>
+</p:properties>
+</file>
+
+<file path=customXml/item3.xml><?xml version="1.0" encoding="utf-8"?>
+<?mso-contentType ?>
+<FormTemplates xmlns="http://schemas.microsoft.com/sharepoint/v3/contenttype/forms">
+  <Display>DocumentLibraryForm</Display>
+  <Edit>DocumentLibraryForm</Edit>
+  <New>DocumentLibraryForm</New>
+</FormTemplates>
+</file>
+
 <file path=customXml/itemProps1.xml><?xml version="1.0" encoding="utf-8"?>
-<ds:datastoreItem xmlns:ds="http://schemas.openxmlformats.org/officeDocument/2006/customXml" ds:itemID="{0583EF9E-D25E-449B-B721-0F345FD0462E}">
-  <ds:schemaRefs>
-    <ds:schemaRef ds:uri="http://schemas.microsoft.com/sharepoint/v3/contenttype/forms"/>
-  </ds:schemaRefs>
-</ds:datastoreItem>
+<ds:datastoreItem xmlns:ds="http://schemas.openxmlformats.org/officeDocument/2006/customXml" ds:itemID="{7FDD7A04-2186-4239-9955-C5A1DB9384DB}"/>
 </file>
 
 <file path=customXml/itemProps2.xml><?xml version="1.0" encoding="utf-8"?>
@@ -7132,19 +8484,9 @@
 </file>
 
 <file path=customXml/itemProps3.xml><?xml version="1.0" encoding="utf-8"?>
-<ds:datastoreItem xmlns:ds="http://schemas.openxmlformats.org/officeDocument/2006/customXml" ds:itemID="{A8E07E36-EE2A-42B6-8E48-692A1BE80363}">
+<ds:datastoreItem xmlns:ds="http://schemas.openxmlformats.org/officeDocument/2006/customXml" ds:itemID="{0583EF9E-D25E-449B-B721-0F345FD0462E}">
   <ds:schemaRefs>
-    <ds:schemaRef ds:uri="http://schemas.microsoft.com/office/2006/metadata/contentType"/>
-    <ds:schemaRef ds:uri="http://schemas.microsoft.com/office/2006/metadata/properties/metaAttributes"/>
-    <ds:schemaRef ds:uri="http://www.w3.org/2001/XMLSchema"/>
-    <ds:schemaRef ds:uri="http://schemas.microsoft.com/office/2006/metadata/properties"/>
-    <ds:schemaRef ds:uri="5209a3f9-c62e-4902-b58f-96723e506468"/>
-    <ds:schemaRef ds:uri="http://schemas.microsoft.com/office/2006/documentManagement/types"/>
-    <ds:schemaRef ds:uri="http://schemas.microsoft.com/office/infopath/2007/PartnerControls"/>
-    <ds:schemaRef ds:uri="http://schemas.openxmlformats.org/package/2006/metadata/core-properties"/>
-    <ds:schemaRef ds:uri="http://purl.org/dc/elements/1.1/"/>
-    <ds:schemaRef ds:uri="http://purl.org/dc/terms/"/>
-    <ds:schemaRef ds:uri="http://schemas.microsoft.com/internal/obd"/>
+    <ds:schemaRef ds:uri="http://schemas.microsoft.com/sharepoint/v3/contenttype/forms"/>
   </ds:schemaRefs>
 </ds:datastoreItem>
 </file>